--- a/DsDotNet/src/UnitTest/UnitTest.Model/ImportOfficeExample/Sample/Lib/Cylinder/Double.pptx
+++ b/DsDotNet/src/UnitTest/UnitTest.Model/ImportOfficeExample/Sample/Lib/Cylinder/Double.pptx
@@ -216,7 +216,7 @@
           <a:p>
             <a:fld id="{DD503887-5801-43A0-AEF9-041E8DDC2558}" type="datetimeFigureOut">
               <a:rPr lang="ko-KR" altLang="en-US" smtClean="0"/>
-              <a:t>2023-01-26</a:t>
+              <a:t>2023-06-16</a:t>
             </a:fld>
             <a:endParaRPr lang="ko-KR" altLang="en-US"/>
           </a:p>
@@ -393,7 +393,7 @@
           <a:p>
             <a:fld id="{95336A0E-57B1-4D4C-BD9B-2F72B5943464}" type="datetimeFigureOut">
               <a:rPr lang="ko-KR" altLang="en-US" smtClean="0"/>
-              <a:t>2023-01-26</a:t>
+              <a:t>2023-06-16</a:t>
             </a:fld>
             <a:endParaRPr lang="ko-KR" altLang="en-US"/>
           </a:p>
@@ -755,7 +755,7 @@
           <a:effectLst/>
           <a:extLst>
             <a:ext uri="{91240B29-F687-4f45-9708-019B960494DF}">
-              <a14:hiddenLine xmlns:a14="http://schemas.microsoft.com/office/drawing/2010/main" xmlns="" w="9525">
+              <a14:hiddenLine xmlns="" xmlns:a14="http://schemas.microsoft.com/office/drawing/2010/main" w="9525">
                 <a:solidFill>
                   <a:srgbClr val="000000"/>
                 </a:solidFill>
@@ -947,7 +947,7 @@
           <a:p>
             <a:fld id="{DEA6EBF0-8E22-42A7-9BEA-2AC7066E6498}" type="datetimeFigureOut">
               <a:rPr lang="ko-KR" altLang="en-US" smtClean="0"/>
-              <a:t>2023-01-26</a:t>
+              <a:t>2023-06-16</a:t>
             </a:fld>
             <a:endParaRPr lang="ko-KR" altLang="en-US"/>
           </a:p>
@@ -1265,7 +1265,7 @@
           <a:p>
             <a:fld id="{DEA6EBF0-8E22-42A7-9BEA-2AC7066E6498}" type="datetimeFigureOut">
               <a:rPr lang="ko-KR" altLang="en-US" smtClean="0"/>
-              <a:t>2023-01-26</a:t>
+              <a:t>2023-06-16</a:t>
             </a:fld>
             <a:endParaRPr lang="ko-KR" altLang="en-US"/>
           </a:p>
@@ -1753,7 +1753,7 @@
           <a:p>
             <a:fld id="{DEA6EBF0-8E22-42A7-9BEA-2AC7066E6498}" type="datetimeFigureOut">
               <a:rPr lang="ko-KR" altLang="en-US" smtClean="0"/>
-              <a:t>2023-01-26</a:t>
+              <a:t>2023-06-16</a:t>
             </a:fld>
             <a:endParaRPr lang="ko-KR" altLang="en-US"/>
           </a:p>
@@ -2122,7 +2122,7 @@
           <a:p>
             <a:fld id="{DEA6EBF0-8E22-42A7-9BEA-2AC7066E6498}" type="datetimeFigureOut">
               <a:rPr lang="ko-KR" altLang="en-US" smtClean="0"/>
-              <a:t>2023-01-26</a:t>
+              <a:t>2023-06-16</a:t>
             </a:fld>
             <a:endParaRPr lang="ko-KR" altLang="en-US"/>
           </a:p>
@@ -2277,7 +2277,7 @@
           <a:ln/>
           <a:extLst>
             <a:ext uri="{91240B29-F687-4f45-9708-019B960494DF}">
-              <a14:hiddenLine xmlns:a14="http://schemas.microsoft.com/office/drawing/2010/main" xmlns="" w="9525">
+              <a14:hiddenLine xmlns="" xmlns:a14="http://schemas.microsoft.com/office/drawing/2010/main" w="9525">
                 <a:solidFill>
                   <a:srgbClr val="000000"/>
                 </a:solidFill>
@@ -2395,7 +2395,7 @@
           <a:p>
             <a:fld id="{DEA6EBF0-8E22-42A7-9BEA-2AC7066E6498}" type="datetimeFigureOut">
               <a:rPr lang="ko-KR" altLang="en-US" smtClean="0"/>
-              <a:t>2023-01-26</a:t>
+              <a:t>2023-06-16</a:t>
             </a:fld>
             <a:endParaRPr lang="ko-KR" altLang="en-US"/>
           </a:p>
@@ -2552,7 +2552,7 @@
           <a:ln/>
           <a:extLst>
             <a:ext uri="{91240B29-F687-4f45-9708-019B960494DF}">
-              <a14:hiddenLine xmlns:a14="http://schemas.microsoft.com/office/drawing/2010/main" xmlns="" w="9525">
+              <a14:hiddenLine xmlns="" xmlns:a14="http://schemas.microsoft.com/office/drawing/2010/main" w="9525">
                 <a:solidFill>
                   <a:srgbClr val="000000"/>
                 </a:solidFill>
@@ -2680,7 +2680,7 @@
           <a:p>
             <a:fld id="{DEA6EBF0-8E22-42A7-9BEA-2AC7066E6498}" type="datetimeFigureOut">
               <a:rPr lang="ko-KR" altLang="en-US" smtClean="0"/>
-              <a:t>2023-01-26</a:t>
+              <a:t>2023-06-16</a:t>
             </a:fld>
             <a:endParaRPr lang="ko-KR" altLang="en-US"/>
           </a:p>
@@ -2798,7 +2798,7 @@
           <a:p>
             <a:fld id="{DEA6EBF0-8E22-42A7-9BEA-2AC7066E6498}" type="datetimeFigureOut">
               <a:rPr lang="ko-KR" altLang="en-US" smtClean="0"/>
-              <a:t>2023-01-26</a:t>
+              <a:t>2023-06-16</a:t>
             </a:fld>
             <a:endParaRPr lang="ko-KR" altLang="en-US"/>
           </a:p>
@@ -2953,7 +2953,7 @@
           <a:ln/>
           <a:extLst>
             <a:ext uri="{91240B29-F687-4f45-9708-019B960494DF}">
-              <a14:hiddenLine xmlns:a14="http://schemas.microsoft.com/office/drawing/2010/main" xmlns="" w="9525">
+              <a14:hiddenLine xmlns="" xmlns:a14="http://schemas.microsoft.com/office/drawing/2010/main" w="9525">
                 <a:solidFill>
                   <a:srgbClr val="000000"/>
                 </a:solidFill>
@@ -3081,7 +3081,7 @@
           <a:p>
             <a:fld id="{DEA6EBF0-8E22-42A7-9BEA-2AC7066E6498}" type="datetimeFigureOut">
               <a:rPr lang="ko-KR" altLang="en-US" smtClean="0"/>
-              <a:t>2023-01-26</a:t>
+              <a:t>2023-06-16</a:t>
             </a:fld>
             <a:endParaRPr lang="ko-KR" altLang="en-US"/>
           </a:p>
@@ -3424,7 +3424,7 @@
           <a:p>
             <a:fld id="{DEA6EBF0-8E22-42A7-9BEA-2AC7066E6498}" type="datetimeFigureOut">
               <a:rPr lang="ko-KR" altLang="en-US" smtClean="0"/>
-              <a:t>2023-01-26</a:t>
+              <a:t>2023-06-16</a:t>
             </a:fld>
             <a:endParaRPr lang="ko-KR" altLang="en-US"/>
           </a:p>
@@ -3579,7 +3579,7 @@
           <a:ln/>
           <a:extLst>
             <a:ext uri="{91240B29-F687-4f45-9708-019B960494DF}">
-              <a14:hiddenLine xmlns:a14="http://schemas.microsoft.com/office/drawing/2010/main" xmlns="" w="9525">
+              <a14:hiddenLine xmlns="" xmlns:a14="http://schemas.microsoft.com/office/drawing/2010/main" w="9525">
                 <a:solidFill>
                   <a:srgbClr val="000000"/>
                 </a:solidFill>
@@ -3763,7 +3763,7 @@
           <a:p>
             <a:fld id="{DEA6EBF0-8E22-42A7-9BEA-2AC7066E6498}" type="datetimeFigureOut">
               <a:rPr lang="ko-KR" altLang="en-US" smtClean="0"/>
-              <a:t>2023-01-26</a:t>
+              <a:t>2023-06-16</a:t>
             </a:fld>
             <a:endParaRPr lang="ko-KR" altLang="en-US"/>
           </a:p>
@@ -3918,7 +3918,7 @@
           <a:ln/>
           <a:extLst>
             <a:ext uri="{91240B29-F687-4f45-9708-019B960494DF}">
-              <a14:hiddenLine xmlns:a14="http://schemas.microsoft.com/office/drawing/2010/main" xmlns="" w="9525">
+              <a14:hiddenLine xmlns="" xmlns:a14="http://schemas.microsoft.com/office/drawing/2010/main" w="9525">
                 <a:solidFill>
                   <a:srgbClr val="000000"/>
                 </a:solidFill>
@@ -4240,7 +4240,7 @@
           <a:p>
             <a:fld id="{DEA6EBF0-8E22-42A7-9BEA-2AC7066E6498}" type="datetimeFigureOut">
               <a:rPr lang="ko-KR" altLang="en-US" smtClean="0"/>
-              <a:t>2023-01-26</a:t>
+              <a:t>2023-06-16</a:t>
             </a:fld>
             <a:endParaRPr lang="ko-KR" altLang="en-US"/>
           </a:p>
@@ -4335,7 +4335,7 @@
           <a:p>
             <a:fld id="{DEA6EBF0-8E22-42A7-9BEA-2AC7066E6498}" type="datetimeFigureOut">
               <a:rPr lang="ko-KR" altLang="en-US" smtClean="0"/>
-              <a:t>2023-01-26</a:t>
+              <a:t>2023-06-16</a:t>
             </a:fld>
             <a:endParaRPr lang="ko-KR" altLang="en-US"/>
           </a:p>
@@ -4603,7 +4603,7 @@
           <a:ln/>
           <a:extLst>
             <a:ext uri="{91240B29-F687-4f45-9708-019B960494DF}">
-              <a14:hiddenLine xmlns:a14="http://schemas.microsoft.com/office/drawing/2010/main" xmlns="" w="9525">
+              <a14:hiddenLine xmlns="" xmlns:a14="http://schemas.microsoft.com/office/drawing/2010/main" w="9525">
                 <a:solidFill>
                   <a:srgbClr val="000000"/>
                 </a:solidFill>
@@ -4802,7 +4802,7 @@
           <a:p>
             <a:fld id="{DEA6EBF0-8E22-42A7-9BEA-2AC7066E6498}" type="datetimeFigureOut">
               <a:rPr lang="ko-KR" altLang="en-US" smtClean="0"/>
-              <a:t>2023-01-26</a:t>
+              <a:t>2023-06-16</a:t>
             </a:fld>
             <a:endParaRPr lang="ko-KR" altLang="en-US"/>
           </a:p>
@@ -5115,7 +5115,7 @@
           <a:p>
             <a:fld id="{DEA6EBF0-8E22-42A7-9BEA-2AC7066E6498}" type="datetimeFigureOut">
               <a:rPr lang="ko-KR" altLang="en-US" smtClean="0"/>
-              <a:t>2023-01-26</a:t>
+              <a:t>2023-06-16</a:t>
             </a:fld>
             <a:endParaRPr lang="ko-KR" altLang="en-US"/>
           </a:p>
@@ -5385,7 +5385,7 @@
           <a:p>
             <a:fld id="{DEA6EBF0-8E22-42A7-9BEA-2AC7066E6498}" type="datetimeFigureOut">
               <a:rPr lang="ko-KR" altLang="en-US" smtClean="0"/>
-              <a:t>2023-01-26</a:t>
+              <a:t>2023-06-16</a:t>
             </a:fld>
             <a:endParaRPr lang="ko-KR" altLang="en-US"/>
           </a:p>
@@ -5979,7 +5979,7 @@
         </p:nvSpPr>
         <p:spPr>
           <a:xfrm>
-            <a:off x="1524501" y="2991314"/>
+            <a:off x="1927624" y="2991314"/>
             <a:ext cx="1103086" cy="1066431"/>
           </a:xfrm>
           <a:prstGeom prst="rect">
@@ -6042,7 +6042,7 @@
         </p:nvSpPr>
         <p:spPr>
           <a:xfrm>
-            <a:off x="3309758" y="2991314"/>
+            <a:off x="3712881" y="2991314"/>
             <a:ext cx="1103086" cy="1066431"/>
           </a:xfrm>
           <a:prstGeom prst="rect">
@@ -6105,7 +6105,7 @@
         </p:nvSpPr>
         <p:spPr>
           <a:xfrm>
-            <a:off x="5095015" y="2991314"/>
+            <a:off x="5498138" y="2991314"/>
             <a:ext cx="1103086" cy="1066431"/>
           </a:xfrm>
           <a:prstGeom prst="rect">
@@ -6171,7 +6171,7 @@
         </p:nvCxnSpPr>
         <p:spPr>
           <a:xfrm>
-            <a:off x="2627587" y="3524530"/>
+            <a:off x="3030710" y="3524530"/>
             <a:ext cx="682171" cy="0"/>
           </a:xfrm>
           <a:prstGeom prst="straightConnector1">
@@ -6214,7 +6214,7 @@
         </p:nvCxnSpPr>
         <p:spPr>
           <a:xfrm>
-            <a:off x="4412844" y="3524530"/>
+            <a:off x="4815967" y="3524530"/>
             <a:ext cx="682171" cy="0"/>
           </a:xfrm>
           <a:prstGeom prst="straightConnector1">
@@ -6767,8 +6767,8 @@
         </p:nvCxnSpPr>
         <p:spPr>
           <a:xfrm rot="16200000" flipV="1">
-            <a:off x="3788018" y="4131028"/>
-            <a:ext cx="1089996" cy="943429"/>
+            <a:off x="3989579" y="4332590"/>
+            <a:ext cx="1089996" cy="540306"/>
           </a:xfrm>
           <a:prstGeom prst="bentConnector3">
             <a:avLst>
@@ -6817,8 +6817,8 @@
         </p:nvCxnSpPr>
         <p:spPr>
           <a:xfrm rot="16200000" flipV="1">
-            <a:off x="2002761" y="4131028"/>
-            <a:ext cx="1089996" cy="943429"/>
+            <a:off x="2204322" y="4332590"/>
+            <a:ext cx="1089996" cy="540306"/>
           </a:xfrm>
           <a:prstGeom prst="bentConnector3">
             <a:avLst>
@@ -6859,15 +6859,16 @@
             </a:extLst>
           </p:cNvPr>
           <p:cNvCxnSpPr>
-            <a:stCxn id="56" idx="2"/>
-            <a:endCxn id="69" idx="0"/>
+            <a:cxnSpLocks/>
+            <a:stCxn id="68" idx="0"/>
+            <a:endCxn id="58" idx="2"/>
           </p:cNvCxnSpPr>
           <p:nvPr/>
         </p:nvCxnSpPr>
         <p:spPr>
-          <a:xfrm>
-            <a:off x="2076044" y="4057745"/>
-            <a:ext cx="4513943" cy="1089996"/>
+          <a:xfrm flipV="1">
+            <a:off x="4804730" y="4057745"/>
+            <a:ext cx="1244951" cy="1089996"/>
           </a:xfrm>
           <a:prstGeom prst="straightConnector1">
             <a:avLst/>
@@ -6904,15 +6905,15 @@
           </p:cNvPr>
           <p:cNvCxnSpPr>
             <a:cxnSpLocks/>
-            <a:stCxn id="67" idx="0"/>
-            <a:endCxn id="58" idx="2"/>
+            <a:stCxn id="57" idx="2"/>
+            <a:endCxn id="69" idx="0"/>
           </p:cNvCxnSpPr>
           <p:nvPr/>
         </p:nvCxnSpPr>
         <p:spPr>
-          <a:xfrm flipV="1">
-            <a:off x="3019473" y="4057745"/>
-            <a:ext cx="2627085" cy="1089996"/>
+          <a:xfrm>
+            <a:off x="4264424" y="4057745"/>
+            <a:ext cx="2325563" cy="1089996"/>
           </a:xfrm>
           <a:prstGeom prst="straightConnector1">
             <a:avLst/>

--- a/DsDotNet/src/UnitTest/UnitTest.Model/ImportOfficeExample/Sample/Lib/Cylinder/Double.pptx
+++ b/DsDotNet/src/UnitTest/UnitTest.Model/ImportOfficeExample/Sample/Lib/Cylinder/Double.pptx
@@ -755,7 +755,7 @@
           <a:effectLst/>
           <a:extLst>
             <a:ext uri="{91240B29-F687-4f45-9708-019B960494DF}">
-              <a14:hiddenLine xmlns="" xmlns:a14="http://schemas.microsoft.com/office/drawing/2010/main" w="9525">
+              <a14:hiddenLine xmlns:a14="http://schemas.microsoft.com/office/drawing/2010/main" xmlns="" w="9525">
                 <a:solidFill>
                   <a:srgbClr val="000000"/>
                 </a:solidFill>
@@ -2277,7 +2277,7 @@
           <a:ln/>
           <a:extLst>
             <a:ext uri="{91240B29-F687-4f45-9708-019B960494DF}">
-              <a14:hiddenLine xmlns="" xmlns:a14="http://schemas.microsoft.com/office/drawing/2010/main" w="9525">
+              <a14:hiddenLine xmlns:a14="http://schemas.microsoft.com/office/drawing/2010/main" xmlns="" w="9525">
                 <a:solidFill>
                   <a:srgbClr val="000000"/>
                 </a:solidFill>
@@ -2552,7 +2552,7 @@
           <a:ln/>
           <a:extLst>
             <a:ext uri="{91240B29-F687-4f45-9708-019B960494DF}">
-              <a14:hiddenLine xmlns="" xmlns:a14="http://schemas.microsoft.com/office/drawing/2010/main" w="9525">
+              <a14:hiddenLine xmlns:a14="http://schemas.microsoft.com/office/drawing/2010/main" xmlns="" w="9525">
                 <a:solidFill>
                   <a:srgbClr val="000000"/>
                 </a:solidFill>
@@ -2953,7 +2953,7 @@
           <a:ln/>
           <a:extLst>
             <a:ext uri="{91240B29-F687-4f45-9708-019B960494DF}">
-              <a14:hiddenLine xmlns="" xmlns:a14="http://schemas.microsoft.com/office/drawing/2010/main" w="9525">
+              <a14:hiddenLine xmlns:a14="http://schemas.microsoft.com/office/drawing/2010/main" xmlns="" w="9525">
                 <a:solidFill>
                   <a:srgbClr val="000000"/>
                 </a:solidFill>
@@ -3579,7 +3579,7 @@
           <a:ln/>
           <a:extLst>
             <a:ext uri="{91240B29-F687-4f45-9708-019B960494DF}">
-              <a14:hiddenLine xmlns="" xmlns:a14="http://schemas.microsoft.com/office/drawing/2010/main" w="9525">
+              <a14:hiddenLine xmlns:a14="http://schemas.microsoft.com/office/drawing/2010/main" xmlns="" w="9525">
                 <a:solidFill>
                   <a:srgbClr val="000000"/>
                 </a:solidFill>
@@ -3918,7 +3918,7 @@
           <a:ln/>
           <a:extLst>
             <a:ext uri="{91240B29-F687-4f45-9708-019B960494DF}">
-              <a14:hiddenLine xmlns="" xmlns:a14="http://schemas.microsoft.com/office/drawing/2010/main" w="9525">
+              <a14:hiddenLine xmlns:a14="http://schemas.microsoft.com/office/drawing/2010/main" xmlns="" w="9525">
                 <a:solidFill>
                   <a:srgbClr val="000000"/>
                 </a:solidFill>
@@ -4603,7 +4603,7 @@
           <a:ln/>
           <a:extLst>
             <a:ext uri="{91240B29-F687-4f45-9708-019B960494DF}">
-              <a14:hiddenLine xmlns="" xmlns:a14="http://schemas.microsoft.com/office/drawing/2010/main" w="9525">
+              <a14:hiddenLine xmlns:a14="http://schemas.microsoft.com/office/drawing/2010/main" xmlns="" w="9525">
                 <a:solidFill>
                   <a:srgbClr val="000000"/>
                 </a:solidFill>

--- a/DsDotNet/src/UnitTest/UnitTest.Model/ImportOfficeExample/Sample/Lib/Cylinder/Double.pptx
+++ b/DsDotNet/src/UnitTest/UnitTest.Model/ImportOfficeExample/Sample/Lib/Cylinder/Double.pptx
@@ -6141,7 +6141,7 @@
             <a:pPr algn="ctr"/>
             <a:r>
               <a:rPr lang="en-US" altLang="ko-KR" sz="1200" dirty="0"/>
-              <a:t>Position</a:t>
+              <a:t>Sensor</a:t>
             </a:r>
           </a:p>
           <a:p>
@@ -6415,7 +6415,7 @@
             <a:pPr algn="ctr"/>
             <a:r>
               <a:rPr lang="en-US" altLang="ko-KR" sz="1200" dirty="0"/>
-              <a:t>Position</a:t>
+              <a:t>Sensor</a:t>
             </a:r>
           </a:p>
           <a:p>
@@ -6592,7 +6592,7 @@
             </a:r>
             <a:r>
               <a:rPr lang="en-US" altLang="ko-KR" sz="1400" dirty="0"/>
-              <a:t>PositionADV</a:t>
+              <a:t>SensorADV</a:t>
             </a:r>
             <a:r>
               <a:rPr lang="en-US" altLang="ko-KR" sz="1400" dirty="0">
@@ -6685,7 +6685,7 @@
             </a:r>
             <a:r>
               <a:rPr lang="en-US" altLang="ko-KR" sz="1400" dirty="0"/>
-              <a:t>PositionRET</a:t>
+              <a:t>SensorRET</a:t>
             </a:r>
             <a:r>
               <a:rPr lang="en-US" altLang="ko-KR" sz="1400" dirty="0">

--- a/DsDotNet/src/UnitTest/UnitTest.Model/ImportOfficeExample/Sample/Lib/Cylinder/Double.pptx
+++ b/DsDotNet/src/UnitTest/UnitTest.Model/ImportOfficeExample/Sample/Lib/Cylinder/Double.pptx
@@ -5,14 +5,15 @@
     <p:sldMasterId id="2147483660" r:id="rId1"/>
   </p:sldMasterIdLst>
   <p:notesMasterIdLst>
-    <p:notesMasterId r:id="rId4"/>
+    <p:notesMasterId r:id="rId5"/>
   </p:notesMasterIdLst>
   <p:handoutMasterIdLst>
-    <p:handoutMasterId r:id="rId5"/>
+    <p:handoutMasterId r:id="rId6"/>
   </p:handoutMasterIdLst>
   <p:sldIdLst>
     <p:sldId id="256" r:id="rId2"/>
     <p:sldId id="607" r:id="rId3"/>
+    <p:sldId id="608" r:id="rId4"/>
   </p:sldIdLst>
   <p:sldSz cx="12192000" cy="6858000"/>
   <p:notesSz cx="6797675" cy="9926638"/>
@@ -216,7 +217,7 @@
           <a:p>
             <a:fld id="{DD503887-5801-43A0-AEF9-041E8DDC2558}" type="datetimeFigureOut">
               <a:rPr lang="ko-KR" altLang="en-US" smtClean="0"/>
-              <a:t>2023-06-16</a:t>
+              <a:t>2023-09-25</a:t>
             </a:fld>
             <a:endParaRPr lang="ko-KR" altLang="en-US"/>
           </a:p>
@@ -393,7 +394,7 @@
           <a:p>
             <a:fld id="{95336A0E-57B1-4D4C-BD9B-2F72B5943464}" type="datetimeFigureOut">
               <a:rPr lang="ko-KR" altLang="en-US" smtClean="0"/>
-              <a:t>2023-06-16</a:t>
+              <a:t>2023-09-25</a:t>
             </a:fld>
             <a:endParaRPr lang="ko-KR" altLang="en-US"/>
           </a:p>
@@ -755,7 +756,7 @@
           <a:effectLst/>
           <a:extLst>
             <a:ext uri="{91240B29-F687-4f45-9708-019B960494DF}">
-              <a14:hiddenLine xmlns:a14="http://schemas.microsoft.com/office/drawing/2010/main" xmlns="" w="9525">
+              <a14:hiddenLine xmlns="" xmlns:a14="http://schemas.microsoft.com/office/drawing/2010/main" w="9525">
                 <a:solidFill>
                   <a:srgbClr val="000000"/>
                 </a:solidFill>
@@ -947,7 +948,7 @@
           <a:p>
             <a:fld id="{DEA6EBF0-8E22-42A7-9BEA-2AC7066E6498}" type="datetimeFigureOut">
               <a:rPr lang="ko-KR" altLang="en-US" smtClean="0"/>
-              <a:t>2023-06-16</a:t>
+              <a:t>2023-09-25</a:t>
             </a:fld>
             <a:endParaRPr lang="ko-KR" altLang="en-US"/>
           </a:p>
@@ -1265,7 +1266,7 @@
           <a:p>
             <a:fld id="{DEA6EBF0-8E22-42A7-9BEA-2AC7066E6498}" type="datetimeFigureOut">
               <a:rPr lang="ko-KR" altLang="en-US" smtClean="0"/>
-              <a:t>2023-06-16</a:t>
+              <a:t>2023-09-25</a:t>
             </a:fld>
             <a:endParaRPr lang="ko-KR" altLang="en-US"/>
           </a:p>
@@ -1753,7 +1754,7 @@
           <a:p>
             <a:fld id="{DEA6EBF0-8E22-42A7-9BEA-2AC7066E6498}" type="datetimeFigureOut">
               <a:rPr lang="ko-KR" altLang="en-US" smtClean="0"/>
-              <a:t>2023-06-16</a:t>
+              <a:t>2023-09-25</a:t>
             </a:fld>
             <a:endParaRPr lang="ko-KR" altLang="en-US"/>
           </a:p>
@@ -2122,7 +2123,7 @@
           <a:p>
             <a:fld id="{DEA6EBF0-8E22-42A7-9BEA-2AC7066E6498}" type="datetimeFigureOut">
               <a:rPr lang="ko-KR" altLang="en-US" smtClean="0"/>
-              <a:t>2023-06-16</a:t>
+              <a:t>2023-09-25</a:t>
             </a:fld>
             <a:endParaRPr lang="ko-KR" altLang="en-US"/>
           </a:p>
@@ -2277,7 +2278,7 @@
           <a:ln/>
           <a:extLst>
             <a:ext uri="{91240B29-F687-4f45-9708-019B960494DF}">
-              <a14:hiddenLine xmlns:a14="http://schemas.microsoft.com/office/drawing/2010/main" xmlns="" w="9525">
+              <a14:hiddenLine xmlns="" xmlns:a14="http://schemas.microsoft.com/office/drawing/2010/main" w="9525">
                 <a:solidFill>
                   <a:srgbClr val="000000"/>
                 </a:solidFill>
@@ -2395,7 +2396,7 @@
           <a:p>
             <a:fld id="{DEA6EBF0-8E22-42A7-9BEA-2AC7066E6498}" type="datetimeFigureOut">
               <a:rPr lang="ko-KR" altLang="en-US" smtClean="0"/>
-              <a:t>2023-06-16</a:t>
+              <a:t>2023-09-25</a:t>
             </a:fld>
             <a:endParaRPr lang="ko-KR" altLang="en-US"/>
           </a:p>
@@ -2552,7 +2553,7 @@
           <a:ln/>
           <a:extLst>
             <a:ext uri="{91240B29-F687-4f45-9708-019B960494DF}">
-              <a14:hiddenLine xmlns:a14="http://schemas.microsoft.com/office/drawing/2010/main" xmlns="" w="9525">
+              <a14:hiddenLine xmlns="" xmlns:a14="http://schemas.microsoft.com/office/drawing/2010/main" w="9525">
                 <a:solidFill>
                   <a:srgbClr val="000000"/>
                 </a:solidFill>
@@ -2680,7 +2681,7 @@
           <a:p>
             <a:fld id="{DEA6EBF0-8E22-42A7-9BEA-2AC7066E6498}" type="datetimeFigureOut">
               <a:rPr lang="ko-KR" altLang="en-US" smtClean="0"/>
-              <a:t>2023-06-16</a:t>
+              <a:t>2023-09-25</a:t>
             </a:fld>
             <a:endParaRPr lang="ko-KR" altLang="en-US"/>
           </a:p>
@@ -2798,7 +2799,7 @@
           <a:p>
             <a:fld id="{DEA6EBF0-8E22-42A7-9BEA-2AC7066E6498}" type="datetimeFigureOut">
               <a:rPr lang="ko-KR" altLang="en-US" smtClean="0"/>
-              <a:t>2023-06-16</a:t>
+              <a:t>2023-09-25</a:t>
             </a:fld>
             <a:endParaRPr lang="ko-KR" altLang="en-US"/>
           </a:p>
@@ -2953,7 +2954,7 @@
           <a:ln/>
           <a:extLst>
             <a:ext uri="{91240B29-F687-4f45-9708-019B960494DF}">
-              <a14:hiddenLine xmlns:a14="http://schemas.microsoft.com/office/drawing/2010/main" xmlns="" w="9525">
+              <a14:hiddenLine xmlns="" xmlns:a14="http://schemas.microsoft.com/office/drawing/2010/main" w="9525">
                 <a:solidFill>
                   <a:srgbClr val="000000"/>
                 </a:solidFill>
@@ -3081,7 +3082,7 @@
           <a:p>
             <a:fld id="{DEA6EBF0-8E22-42A7-9BEA-2AC7066E6498}" type="datetimeFigureOut">
               <a:rPr lang="ko-KR" altLang="en-US" smtClean="0"/>
-              <a:t>2023-06-16</a:t>
+              <a:t>2023-09-25</a:t>
             </a:fld>
             <a:endParaRPr lang="ko-KR" altLang="en-US"/>
           </a:p>
@@ -3424,7 +3425,7 @@
           <a:p>
             <a:fld id="{DEA6EBF0-8E22-42A7-9BEA-2AC7066E6498}" type="datetimeFigureOut">
               <a:rPr lang="ko-KR" altLang="en-US" smtClean="0"/>
-              <a:t>2023-06-16</a:t>
+              <a:t>2023-09-25</a:t>
             </a:fld>
             <a:endParaRPr lang="ko-KR" altLang="en-US"/>
           </a:p>
@@ -3579,7 +3580,7 @@
           <a:ln/>
           <a:extLst>
             <a:ext uri="{91240B29-F687-4f45-9708-019B960494DF}">
-              <a14:hiddenLine xmlns:a14="http://schemas.microsoft.com/office/drawing/2010/main" xmlns="" w="9525">
+              <a14:hiddenLine xmlns="" xmlns:a14="http://schemas.microsoft.com/office/drawing/2010/main" w="9525">
                 <a:solidFill>
                   <a:srgbClr val="000000"/>
                 </a:solidFill>
@@ -3763,7 +3764,7 @@
           <a:p>
             <a:fld id="{DEA6EBF0-8E22-42A7-9BEA-2AC7066E6498}" type="datetimeFigureOut">
               <a:rPr lang="ko-KR" altLang="en-US" smtClean="0"/>
-              <a:t>2023-06-16</a:t>
+              <a:t>2023-09-25</a:t>
             </a:fld>
             <a:endParaRPr lang="ko-KR" altLang="en-US"/>
           </a:p>
@@ -3918,7 +3919,7 @@
           <a:ln/>
           <a:extLst>
             <a:ext uri="{91240B29-F687-4f45-9708-019B960494DF}">
-              <a14:hiddenLine xmlns:a14="http://schemas.microsoft.com/office/drawing/2010/main" xmlns="" w="9525">
+              <a14:hiddenLine xmlns="" xmlns:a14="http://schemas.microsoft.com/office/drawing/2010/main" w="9525">
                 <a:solidFill>
                   <a:srgbClr val="000000"/>
                 </a:solidFill>
@@ -4240,7 +4241,7 @@
           <a:p>
             <a:fld id="{DEA6EBF0-8E22-42A7-9BEA-2AC7066E6498}" type="datetimeFigureOut">
               <a:rPr lang="ko-KR" altLang="en-US" smtClean="0"/>
-              <a:t>2023-06-16</a:t>
+              <a:t>2023-09-25</a:t>
             </a:fld>
             <a:endParaRPr lang="ko-KR" altLang="en-US"/>
           </a:p>
@@ -4335,7 +4336,7 @@
           <a:p>
             <a:fld id="{DEA6EBF0-8E22-42A7-9BEA-2AC7066E6498}" type="datetimeFigureOut">
               <a:rPr lang="ko-KR" altLang="en-US" smtClean="0"/>
-              <a:t>2023-06-16</a:t>
+              <a:t>2023-09-25</a:t>
             </a:fld>
             <a:endParaRPr lang="ko-KR" altLang="en-US"/>
           </a:p>
@@ -4603,7 +4604,7 @@
           <a:ln/>
           <a:extLst>
             <a:ext uri="{91240B29-F687-4f45-9708-019B960494DF}">
-              <a14:hiddenLine xmlns:a14="http://schemas.microsoft.com/office/drawing/2010/main" xmlns="" w="9525">
+              <a14:hiddenLine xmlns="" xmlns:a14="http://schemas.microsoft.com/office/drawing/2010/main" w="9525">
                 <a:solidFill>
                   <a:srgbClr val="000000"/>
                 </a:solidFill>
@@ -4802,7 +4803,7 @@
           <a:p>
             <a:fld id="{DEA6EBF0-8E22-42A7-9BEA-2AC7066E6498}" type="datetimeFigureOut">
               <a:rPr lang="ko-KR" altLang="en-US" smtClean="0"/>
-              <a:t>2023-06-16</a:t>
+              <a:t>2023-09-25</a:t>
             </a:fld>
             <a:endParaRPr lang="ko-KR" altLang="en-US"/>
           </a:p>
@@ -5115,7 +5116,7 @@
           <a:p>
             <a:fld id="{DEA6EBF0-8E22-42A7-9BEA-2AC7066E6498}" type="datetimeFigureOut">
               <a:rPr lang="ko-KR" altLang="en-US" smtClean="0"/>
-              <a:t>2023-06-16</a:t>
+              <a:t>2023-09-25</a:t>
             </a:fld>
             <a:endParaRPr lang="ko-KR" altLang="en-US"/>
           </a:p>
@@ -5385,7 +5386,7 @@
           <a:p>
             <a:fld id="{DEA6EBF0-8E22-42A7-9BEA-2AC7066E6498}" type="datetimeFigureOut">
               <a:rPr lang="ko-KR" altLang="en-US" smtClean="0"/>
-              <a:t>2023-06-16</a:t>
+              <a:t>2023-09-25</a:t>
             </a:fld>
             <a:endParaRPr lang="ko-KR" altLang="en-US"/>
           </a:p>
@@ -5920,7 +5921,7 @@
 </file>
 
 <file path=ppt/slides/slide2.xml><?xml version="1.0" encoding="utf-8"?>
-<p:sld xmlns:a="http://schemas.openxmlformats.org/drawingml/2006/main" xmlns:r="http://schemas.openxmlformats.org/officeDocument/2006/relationships" xmlns:p="http://schemas.openxmlformats.org/presentationml/2006/main">
+<p:sld xmlns:a="http://schemas.openxmlformats.org/drawingml/2006/main" xmlns:r="http://schemas.openxmlformats.org/officeDocument/2006/relationships" xmlns:p="http://schemas.openxmlformats.org/presentationml/2006/main" show="0">
   <p:cSld>
     <p:spTree>
       <p:nvGrpSpPr>
@@ -7088,6 +7089,622 @@
     <p:extLst>
       <p:ext uri="{BB962C8B-B14F-4D97-AF65-F5344CB8AC3E}">
         <p14:creationId xmlns:p14="http://schemas.microsoft.com/office/powerpoint/2010/main" val="1142561549"/>
+      </p:ext>
+    </p:extLst>
+  </p:cSld>
+  <p:clrMapOvr>
+    <a:masterClrMapping/>
+  </p:clrMapOvr>
+</p:sld>
+</file>
+
+<file path=ppt/slides/slide3.xml><?xml version="1.0" encoding="utf-8"?>
+<p:sld xmlns:a="http://schemas.openxmlformats.org/drawingml/2006/main" xmlns:r="http://schemas.openxmlformats.org/officeDocument/2006/relationships" xmlns:p="http://schemas.openxmlformats.org/presentationml/2006/main">
+  <p:cSld>
+    <p:spTree>
+      <p:nvGrpSpPr>
+        <p:cNvPr id="1" name=""/>
+        <p:cNvGrpSpPr/>
+        <p:nvPr/>
+      </p:nvGrpSpPr>
+      <p:grpSpPr>
+        <a:xfrm>
+          <a:off x="0" y="0"/>
+          <a:ext cx="0" cy="0"/>
+          <a:chOff x="0" y="0"/>
+          <a:chExt cx="0" cy="0"/>
+        </a:xfrm>
+      </p:grpSpPr>
+      <p:sp>
+        <p:nvSpPr>
+          <p:cNvPr id="2" name="제목 1">
+            <a:extLst>
+              <a:ext uri="{FF2B5EF4-FFF2-40B4-BE49-F238E27FC236}">
+                <a16:creationId xmlns:a16="http://schemas.microsoft.com/office/drawing/2014/main" id="{5E8FE27E-4086-E570-1BA4-F2B433CAA376}"/>
+              </a:ext>
+            </a:extLst>
+          </p:cNvPr>
+          <p:cNvSpPr>
+            <a:spLocks noGrp="1"/>
+          </p:cNvSpPr>
+          <p:nvPr>
+            <p:ph type="title"/>
+          </p:nvPr>
+        </p:nvSpPr>
+        <p:spPr/>
+        <p:txBody>
+          <a:bodyPr/>
+          <a:lstStyle/>
+          <a:p>
+            <a:r>
+              <a:rPr lang="en-US" altLang="ko-KR" dirty="0"/>
+              <a:t>Flow</a:t>
+            </a:r>
+            <a:endParaRPr lang="ko-KR" altLang="en-US" dirty="0"/>
+          </a:p>
+        </p:txBody>
+      </p:sp>
+      <p:sp>
+        <p:nvSpPr>
+          <p:cNvPr id="56" name="직사각형 55">
+            <a:extLst>
+              <a:ext uri="{FF2B5EF4-FFF2-40B4-BE49-F238E27FC236}">
+                <a16:creationId xmlns:a16="http://schemas.microsoft.com/office/drawing/2014/main" id="{B59930BF-EFE8-0861-D55E-FEAC7FD46A32}"/>
+              </a:ext>
+            </a:extLst>
+          </p:cNvPr>
+          <p:cNvSpPr/>
+          <p:nvPr/>
+        </p:nvSpPr>
+        <p:spPr>
+          <a:xfrm>
+            <a:off x="1927624" y="2991314"/>
+            <a:ext cx="1103086" cy="1066431"/>
+          </a:xfrm>
+          <a:prstGeom prst="rect">
+            <a:avLst/>
+          </a:prstGeom>
+          <a:solidFill>
+            <a:schemeClr val="accent4">
+              <a:alpha val="50000"/>
+            </a:schemeClr>
+          </a:solidFill>
+          <a:ln>
+            <a:noFill/>
+          </a:ln>
+        </p:spPr>
+        <p:style>
+          <a:lnRef idx="0">
+            <a:scrgbClr r="0" g="0" b="0"/>
+          </a:lnRef>
+          <a:fillRef idx="0">
+            <a:scrgbClr r="0" g="0" b="0"/>
+          </a:fillRef>
+          <a:effectRef idx="0">
+            <a:scrgbClr r="0" g="0" b="0"/>
+          </a:effectRef>
+          <a:fontRef idx="minor">
+            <a:schemeClr val="lt1"/>
+          </a:fontRef>
+        </p:style>
+        <p:txBody>
+          <a:bodyPr rtlCol="0" anchor="ctr"/>
+          <a:lstStyle/>
+          <a:p>
+            <a:pPr algn="ctr"/>
+            <a:r>
+              <a:rPr lang="en-US" altLang="ko-KR" sz="1200" dirty="0"/>
+              <a:t>Valve</a:t>
+            </a:r>
+          </a:p>
+          <a:p>
+            <a:pPr algn="ctr"/>
+            <a:r>
+              <a:rPr lang="en-US" altLang="ko-KR" sz="1200" dirty="0"/>
+              <a:t>ADV</a:t>
+            </a:r>
+            <a:endParaRPr lang="ko-KR" altLang="en-US" sz="1200" dirty="0"/>
+          </a:p>
+        </p:txBody>
+      </p:sp>
+      <p:sp>
+        <p:nvSpPr>
+          <p:cNvPr id="67" name="직사각형 66">
+            <a:extLst>
+              <a:ext uri="{FF2B5EF4-FFF2-40B4-BE49-F238E27FC236}">
+                <a16:creationId xmlns:a16="http://schemas.microsoft.com/office/drawing/2014/main" id="{6CD07698-261E-1C80-B0B9-45488C6F0EF0}"/>
+              </a:ext>
+            </a:extLst>
+          </p:cNvPr>
+          <p:cNvSpPr/>
+          <p:nvPr/>
+        </p:nvSpPr>
+        <p:spPr>
+          <a:xfrm>
+            <a:off x="2467930" y="5147741"/>
+            <a:ext cx="1103086" cy="1066431"/>
+          </a:xfrm>
+          <a:prstGeom prst="rect">
+            <a:avLst/>
+          </a:prstGeom>
+          <a:solidFill>
+            <a:schemeClr val="accent4">
+              <a:alpha val="50000"/>
+            </a:schemeClr>
+          </a:solidFill>
+          <a:ln>
+            <a:noFill/>
+          </a:ln>
+        </p:spPr>
+        <p:style>
+          <a:lnRef idx="0">
+            <a:scrgbClr r="0" g="0" b="0"/>
+          </a:lnRef>
+          <a:fillRef idx="0">
+            <a:scrgbClr r="0" g="0" b="0"/>
+          </a:fillRef>
+          <a:effectRef idx="0">
+            <a:scrgbClr r="0" g="0" b="0"/>
+          </a:effectRef>
+          <a:fontRef idx="minor">
+            <a:schemeClr val="lt1"/>
+          </a:fontRef>
+        </p:style>
+        <p:txBody>
+          <a:bodyPr rtlCol="0" anchor="ctr"/>
+          <a:lstStyle/>
+          <a:p>
+            <a:pPr algn="ctr"/>
+            <a:r>
+              <a:rPr lang="en-US" altLang="ko-KR" sz="1200" dirty="0"/>
+              <a:t>Valve</a:t>
+            </a:r>
+          </a:p>
+          <a:p>
+            <a:pPr algn="ctr"/>
+            <a:r>
+              <a:rPr lang="en-US" altLang="ko-KR" sz="1200" dirty="0"/>
+              <a:t>RET</a:t>
+            </a:r>
+            <a:endParaRPr lang="ko-KR" altLang="en-US" sz="1200" dirty="0"/>
+          </a:p>
+        </p:txBody>
+      </p:sp>
+      <p:sp>
+        <p:nvSpPr>
+          <p:cNvPr id="80" name="화살표: 오각형 79">
+            <a:extLst>
+              <a:ext uri="{FF2B5EF4-FFF2-40B4-BE49-F238E27FC236}">
+                <a16:creationId xmlns:a16="http://schemas.microsoft.com/office/drawing/2014/main" id="{CB5747B3-AC8A-5B6E-FCF3-6ABFB0F2E1BE}"/>
+              </a:ext>
+            </a:extLst>
+          </p:cNvPr>
+          <p:cNvSpPr/>
+          <p:nvPr/>
+        </p:nvSpPr>
+        <p:spPr>
+          <a:xfrm>
+            <a:off x="9535386" y="2236091"/>
+            <a:ext cx="2617433" cy="690024"/>
+          </a:xfrm>
+          <a:prstGeom prst="homePlate">
+            <a:avLst/>
+          </a:prstGeom>
+          <a:solidFill>
+            <a:schemeClr val="accent2">
+              <a:alpha val="50000"/>
+            </a:schemeClr>
+          </a:solidFill>
+          <a:ln>
+            <a:noFill/>
+          </a:ln>
+        </p:spPr>
+        <p:style>
+          <a:lnRef idx="0">
+            <a:scrgbClr r="0" g="0" b="0"/>
+          </a:lnRef>
+          <a:fillRef idx="0">
+            <a:scrgbClr r="0" g="0" b="0"/>
+          </a:fillRef>
+          <a:effectRef idx="0">
+            <a:scrgbClr r="0" g="0" b="0"/>
+          </a:effectRef>
+          <a:fontRef idx="minor">
+            <a:schemeClr val="lt1"/>
+          </a:fontRef>
+        </p:style>
+        <p:txBody>
+          <a:bodyPr vert="horz" wrap="none" lIns="91440" tIns="45720" rIns="91440" bIns="45720" numCol="1" rtlCol="0" anchor="ctr" anchorCtr="0" compatLnSpc="1">
+            <a:prstTxWarp prst="textNoShape">
+              <a:avLst/>
+            </a:prstTxWarp>
+          </a:bodyPr>
+          <a:lstStyle/>
+          <a:p>
+            <a:pPr algn="ctr"/>
+            <a:r>
+              <a:rPr lang="en-US" altLang="ko-KR" sz="1400" dirty="0">
+                <a:ea typeface="현대하모니 M" panose="02020603020101020101"/>
+              </a:rPr>
+              <a:t>ADV</a:t>
+            </a:r>
+          </a:p>
+          <a:p>
+            <a:pPr algn="ctr"/>
+            <a:r>
+              <a:rPr lang="en-US" altLang="ko-KR" sz="1400" dirty="0">
+                <a:ea typeface="현대하모니 M" panose="02020603020101020101"/>
+              </a:rPr>
+              <a:t>[</a:t>
+            </a:r>
+            <a:r>
+              <a:rPr lang="en-US" altLang="ko-KR" sz="1400" dirty="0"/>
+              <a:t>ValveADV </a:t>
+            </a:r>
+            <a:r>
+              <a:rPr lang="en-US" altLang="ko-KR" sz="1400" dirty="0">
+                <a:ea typeface="현대하모니 M" panose="02020603020101020101"/>
+              </a:rPr>
+              <a:t>~ </a:t>
+            </a:r>
+            <a:r>
+              <a:rPr lang="en-US" altLang="ko-KR" sz="1400" dirty="0"/>
+              <a:t>ValveADV</a:t>
+            </a:r>
+            <a:r>
+              <a:rPr lang="en-US" altLang="ko-KR" sz="1400" dirty="0">
+                <a:ea typeface="현대하모니 M" panose="02020603020101020101"/>
+              </a:rPr>
+              <a:t>]</a:t>
+            </a:r>
+            <a:endParaRPr lang="ko-KR" altLang="en-US" sz="1400" dirty="0">
+              <a:ea typeface="현대하모니 M" panose="02020603020101020101"/>
+            </a:endParaRPr>
+          </a:p>
+        </p:txBody>
+      </p:sp>
+      <p:sp>
+        <p:nvSpPr>
+          <p:cNvPr id="81" name="화살표: 오각형 80">
+            <a:extLst>
+              <a:ext uri="{FF2B5EF4-FFF2-40B4-BE49-F238E27FC236}">
+                <a16:creationId xmlns:a16="http://schemas.microsoft.com/office/drawing/2014/main" id="{11D9824B-9C79-1754-1358-CAFCD5BF3EA9}"/>
+              </a:ext>
+            </a:extLst>
+          </p:cNvPr>
+          <p:cNvSpPr/>
+          <p:nvPr/>
+        </p:nvSpPr>
+        <p:spPr>
+          <a:xfrm>
+            <a:off x="9535385" y="3015569"/>
+            <a:ext cx="2617433" cy="690024"/>
+          </a:xfrm>
+          <a:prstGeom prst="homePlate">
+            <a:avLst/>
+          </a:prstGeom>
+          <a:solidFill>
+            <a:schemeClr val="accent2">
+              <a:alpha val="50000"/>
+            </a:schemeClr>
+          </a:solidFill>
+          <a:ln>
+            <a:noFill/>
+          </a:ln>
+        </p:spPr>
+        <p:style>
+          <a:lnRef idx="0">
+            <a:scrgbClr r="0" g="0" b="0"/>
+          </a:lnRef>
+          <a:fillRef idx="0">
+            <a:scrgbClr r="0" g="0" b="0"/>
+          </a:fillRef>
+          <a:effectRef idx="0">
+            <a:scrgbClr r="0" g="0" b="0"/>
+          </a:effectRef>
+          <a:fontRef idx="minor">
+            <a:schemeClr val="lt1"/>
+          </a:fontRef>
+        </p:style>
+        <p:txBody>
+          <a:bodyPr vert="horz" wrap="none" lIns="91440" tIns="45720" rIns="91440" bIns="45720" numCol="1" rtlCol="0" anchor="ctr" anchorCtr="0" compatLnSpc="1">
+            <a:prstTxWarp prst="textNoShape">
+              <a:avLst/>
+            </a:prstTxWarp>
+          </a:bodyPr>
+          <a:lstStyle/>
+          <a:p>
+            <a:pPr algn="ctr"/>
+            <a:r>
+              <a:rPr lang="en-US" altLang="ko-KR" sz="1400" dirty="0">
+                <a:ea typeface="현대하모니 M" panose="02020603020101020101"/>
+              </a:rPr>
+              <a:t>RET</a:t>
+            </a:r>
+          </a:p>
+          <a:p>
+            <a:pPr algn="ctr"/>
+            <a:r>
+              <a:rPr lang="en-US" altLang="ko-KR" sz="1400" dirty="0">
+                <a:ea typeface="현대하모니 M" panose="02020603020101020101"/>
+              </a:rPr>
+              <a:t>[</a:t>
+            </a:r>
+            <a:r>
+              <a:rPr lang="en-US" altLang="ko-KR" sz="1400" dirty="0"/>
+              <a:t>ValveRET </a:t>
+            </a:r>
+            <a:r>
+              <a:rPr lang="en-US" altLang="ko-KR" sz="1400" dirty="0">
+                <a:ea typeface="현대하모니 M" panose="02020603020101020101"/>
+              </a:rPr>
+              <a:t>~ </a:t>
+            </a:r>
+            <a:r>
+              <a:rPr lang="en-US" altLang="ko-KR" sz="1400" dirty="0"/>
+              <a:t>ValveRET</a:t>
+            </a:r>
+            <a:r>
+              <a:rPr lang="en-US" altLang="ko-KR" sz="1400" dirty="0">
+                <a:ea typeface="현대하모니 M" panose="02020603020101020101"/>
+              </a:rPr>
+              <a:t>]</a:t>
+            </a:r>
+            <a:endParaRPr lang="ko-KR" altLang="en-US" sz="1400" dirty="0">
+              <a:ea typeface="현대하모니 M" panose="02020603020101020101"/>
+            </a:endParaRPr>
+          </a:p>
+        </p:txBody>
+      </p:sp>
+      <p:cxnSp>
+        <p:nvCxnSpPr>
+          <p:cNvPr id="82" name="연결선: 꺾임 81">
+            <a:extLst>
+              <a:ext uri="{FF2B5EF4-FFF2-40B4-BE49-F238E27FC236}">
+                <a16:creationId xmlns:a16="http://schemas.microsoft.com/office/drawing/2014/main" id="{F7145B42-2C09-D6CE-2298-12CF80CB6686}"/>
+              </a:ext>
+            </a:extLst>
+          </p:cNvPr>
+          <p:cNvCxnSpPr>
+            <a:cxnSpLocks/>
+            <a:stCxn id="81" idx="1"/>
+            <a:endCxn id="80" idx="1"/>
+          </p:cNvCxnSpPr>
+          <p:nvPr/>
+        </p:nvCxnSpPr>
+        <p:spPr>
+          <a:xfrm rot="10800000" flipH="1">
+            <a:off x="9535384" y="2581103"/>
+            <a:ext cx="1" cy="779478"/>
+          </a:xfrm>
+          <a:prstGeom prst="bentConnector3">
+            <a:avLst>
+              <a:gd name="adj1" fmla="val -22860000000"/>
+            </a:avLst>
+          </a:prstGeom>
+          <a:ln w="57150" cmpd="dbl">
+            <a:solidFill>
+              <a:schemeClr val="accent6"/>
+            </a:solidFill>
+            <a:prstDash val="dash"/>
+            <a:headEnd type="triangle" w="med" len="med"/>
+            <a:tailEnd type="triangle" w="med" len="med"/>
+          </a:ln>
+        </p:spPr>
+        <p:style>
+          <a:lnRef idx="1">
+            <a:schemeClr val="accent1"/>
+          </a:lnRef>
+          <a:fillRef idx="0">
+            <a:schemeClr val="accent1"/>
+          </a:fillRef>
+          <a:effectRef idx="0">
+            <a:schemeClr val="accent1"/>
+          </a:effectRef>
+          <a:fontRef idx="minor">
+            <a:schemeClr val="tx1"/>
+          </a:fontRef>
+        </p:style>
+      </p:cxnSp>
+      <p:cxnSp>
+        <p:nvCxnSpPr>
+          <p:cNvPr id="12" name="연결선: 꺾임 11">
+            <a:extLst>
+              <a:ext uri="{FF2B5EF4-FFF2-40B4-BE49-F238E27FC236}">
+                <a16:creationId xmlns:a16="http://schemas.microsoft.com/office/drawing/2014/main" id="{7F33A159-63C2-73E5-0693-383E04CD8793}"/>
+              </a:ext>
+            </a:extLst>
+          </p:cNvPr>
+          <p:cNvCxnSpPr>
+            <a:cxnSpLocks/>
+            <a:stCxn id="67" idx="0"/>
+            <a:endCxn id="56" idx="2"/>
+          </p:cNvCxnSpPr>
+          <p:nvPr/>
+        </p:nvCxnSpPr>
+        <p:spPr>
+          <a:xfrm rot="16200000" flipV="1">
+            <a:off x="2204322" y="4332590"/>
+            <a:ext cx="1089996" cy="540306"/>
+          </a:xfrm>
+          <a:prstGeom prst="bentConnector3">
+            <a:avLst>
+              <a:gd name="adj1" fmla="val 50000"/>
+            </a:avLst>
+          </a:prstGeom>
+          <a:ln w="57150" cmpd="dbl">
+            <a:solidFill>
+              <a:schemeClr val="accent6"/>
+            </a:solidFill>
+            <a:prstDash val="dash"/>
+            <a:headEnd type="triangle" w="med" len="med"/>
+            <a:tailEnd type="triangle" w="med" len="med"/>
+          </a:ln>
+        </p:spPr>
+        <p:style>
+          <a:lnRef idx="1">
+            <a:schemeClr val="accent1"/>
+          </a:lnRef>
+          <a:fillRef idx="0">
+            <a:schemeClr val="accent1"/>
+          </a:fillRef>
+          <a:effectRef idx="0">
+            <a:schemeClr val="accent1"/>
+          </a:effectRef>
+          <a:fontRef idx="minor">
+            <a:schemeClr val="tx1"/>
+          </a:fontRef>
+        </p:style>
+      </p:cxnSp>
+      <p:pic>
+        <p:nvPicPr>
+          <p:cNvPr id="1026" name="Picture 2" descr="공압 실린더 및 액추에이터 | Emerson KR">
+            <a:extLst>
+              <a:ext uri="{FF2B5EF4-FFF2-40B4-BE49-F238E27FC236}">
+                <a16:creationId xmlns:a16="http://schemas.microsoft.com/office/drawing/2014/main" id="{BEDF6E60-0F24-BA7B-0D64-52BC419D9A61}"/>
+              </a:ext>
+            </a:extLst>
+          </p:cNvPr>
+          <p:cNvPicPr>
+            <a:picLocks noChangeAspect="1" noChangeArrowheads="1"/>
+          </p:cNvPicPr>
+          <p:nvPr/>
+        </p:nvPicPr>
+        <p:blipFill>
+          <a:blip r:embed="rId2">
+            <a:extLst>
+              <a:ext uri="{BEBA8EAE-BF5A-486C-A8C5-ECC9F3942E4B}">
+                <a14:imgProps xmlns:a14="http://schemas.microsoft.com/office/drawing/2010/main">
+                  <a14:imgLayer r:embed="rId3">
+                    <a14:imgEffect>
+                      <a14:backgroundRemoval t="9896" b="89844" l="8866" r="93611">
+                        <a14:foregroundMark x1="91395" y1="49740" x2="91395" y2="49740"/>
+                        <a14:foregroundMark x1="91786" y1="36979" x2="91786" y2="36979"/>
+                        <a14:foregroundMark x1="38201" y1="28646" x2="38201" y2="28646"/>
+                        <a14:foregroundMark x1="8996" y1="71354" x2="8996" y2="71354"/>
+                        <a14:foregroundMark x1="61408" y1="22135" x2="61408" y2="22135"/>
+                        <a14:foregroundMark x1="53064" y1="25000" x2="53064" y2="25000"/>
+                        <a14:foregroundMark x1="50717" y1="25521" x2="50717" y2="25521"/>
+                        <a14:foregroundMark x1="48892" y1="26563" x2="48892" y2="26563"/>
+                        <a14:foregroundMark x1="49153" y1="24219" x2="49153" y2="24219"/>
+                        <a14:foregroundMark x1="47327" y1="25521" x2="47327" y2="25521"/>
+                        <a14:foregroundMark x1="92568" y1="36198" x2="92568" y2="36198"/>
+                        <a14:foregroundMark x1="86050" y1="30469" x2="86050" y2="30469"/>
+                        <a14:foregroundMark x1="91786" y1="59115" x2="91786" y2="59115"/>
+                        <a14:foregroundMark x1="92829" y1="57552" x2="92829" y2="57552"/>
+                        <a14:foregroundMark x1="93611" y1="50000" x2="93611" y2="50000"/>
+                        <a14:foregroundMark x1="93611" y1="37760" x2="93611" y2="37760"/>
+                        <a14:foregroundMark x1="11734" y1="67969" x2="11734" y2="67969"/>
+                        <a14:foregroundMark x1="10821" y1="67448" x2="10821" y2="67448"/>
+                        <a14:foregroundMark x1="10561" y1="66406" x2="11995" y2="66667"/>
+                        <a14:foregroundMark x1="10821" y1="65365" x2="10821" y2="65365"/>
+                        <a14:foregroundMark x1="11343" y1="65885" x2="11343" y2="65885"/>
+                      </a14:backgroundRemoval>
+                    </a14:imgEffect>
+                  </a14:imgLayer>
+                </a14:imgProps>
+              </a:ext>
+              <a:ext uri="{28A0092B-C50C-407E-A947-70E740481C1C}">
+                <a14:useLocalDpi xmlns:a14="http://schemas.microsoft.com/office/drawing/2010/main" val="0"/>
+              </a:ext>
+            </a:extLst>
+          </a:blip>
+          <a:srcRect/>
+          <a:stretch>
+            <a:fillRect/>
+          </a:stretch>
+        </p:blipFill>
+        <p:spPr bwMode="auto">
+          <a:xfrm>
+            <a:off x="8103764" y="60870"/>
+            <a:ext cx="3481630" cy="1743085"/>
+          </a:xfrm>
+          <a:prstGeom prst="rect">
+            <a:avLst/>
+          </a:prstGeom>
+          <a:noFill/>
+          <a:extLst>
+            <a:ext uri="{909E8E84-426E-40DD-AFC4-6F175D3DCCD1}">
+              <a14:hiddenFill xmlns:a14="http://schemas.microsoft.com/office/drawing/2010/main">
+                <a:solidFill>
+                  <a:srgbClr val="FFFFFF"/>
+                </a:solidFill>
+              </a14:hiddenFill>
+            </a:ext>
+          </a:extLst>
+        </p:spPr>
+      </p:pic>
+      <p:pic>
+        <p:nvPicPr>
+          <p:cNvPr id="3" name="그림 2">
+            <a:extLst>
+              <a:ext uri="{FF2B5EF4-FFF2-40B4-BE49-F238E27FC236}">
+                <a16:creationId xmlns:a16="http://schemas.microsoft.com/office/drawing/2014/main" id="{B580B6A9-4DC5-C529-57BB-0D03F693E12C}"/>
+              </a:ext>
+            </a:extLst>
+          </p:cNvPr>
+          <p:cNvPicPr>
+            <a:picLocks noChangeAspect="1"/>
+          </p:cNvPicPr>
+          <p:nvPr/>
+        </p:nvPicPr>
+        <p:blipFill>
+          <a:blip r:embed="rId4">
+            <a:extLst>
+              <a:ext uri="{BEBA8EAE-BF5A-486C-A8C5-ECC9F3942E4B}">
+                <a14:imgProps xmlns:a14="http://schemas.microsoft.com/office/drawing/2010/main">
+                  <a14:imgLayer r:embed="rId5">
+                    <a14:imgEffect>
+                      <a14:backgroundRemoval t="6631" b="89785" l="3678" r="95172">
+                        <a14:foregroundMark x1="62529" y1="16846" x2="67471" y2="15950"/>
+                        <a14:foregroundMark x1="80805" y1="53405" x2="87701" y2="53226"/>
+                        <a14:foregroundMark x1="77356" y1="8423" x2="78621" y2="8781"/>
+                        <a14:foregroundMark x1="92069" y1="13620" x2="95402" y2="14158"/>
+                        <a14:foregroundMark x1="15977" y1="53763" x2="32299" y2="53405"/>
+                        <a14:foregroundMark x1="3793" y1="55376" x2="4828" y2="55735"/>
+                        <a14:foregroundMark x1="24138" y1="57885" x2="24483" y2="61649"/>
+                        <a14:foregroundMark x1="26092" y1="67742" x2="26092" y2="69892"/>
+                        <a14:foregroundMark x1="10690" y1="31004" x2="11609" y2="26703"/>
+                        <a14:foregroundMark x1="15977" y1="34409" x2="19080" y2="33513"/>
+                        <a14:foregroundMark x1="21034" y1="34409" x2="16437" y2="34229"/>
+                        <a14:foregroundMark x1="11034" y1="34767" x2="15517" y2="34050"/>
+                        <a14:foregroundMark x1="21609" y1="34409" x2="21839" y2="34588"/>
+                        <a14:foregroundMark x1="57241" y1="6631" x2="60230" y2="7348"/>
+                        <a14:foregroundMark x1="65172" y1="12007" x2="69655" y2="12724"/>
+                        <a14:foregroundMark x1="74943" y1="10394" x2="77931" y2="10932"/>
+                        <a14:foregroundMark x1="81839" y1="59857" x2="84368" y2="58961"/>
+                        <a14:foregroundMark x1="92874" y1="45699" x2="93333" y2="48925"/>
+                        <a14:foregroundMark x1="43563" y1="49821" x2="44023" y2="53405"/>
+                        <a14:foregroundMark x1="32989" y1="62724" x2="38276" y2="62007"/>
+                        <a14:foregroundMark x1="21609" y1="10932" x2="28046" y2="8781"/>
+                        <a14:foregroundMark x1="15172" y1="22401" x2="20690" y2="21147"/>
+                        <a14:foregroundMark x1="70690" y1="6810" x2="74023" y2="6810"/>
+                        <a14:foregroundMark x1="41954" y1="62545" x2="42414" y2="62366"/>
+                      </a14:backgroundRemoval>
+                    </a14:imgEffect>
+                  </a14:imgLayer>
+                </a14:imgProps>
+              </a:ext>
+            </a:extLst>
+          </a:blip>
+          <a:stretch>
+            <a:fillRect/>
+          </a:stretch>
+        </p:blipFill>
+        <p:spPr>
+          <a:xfrm>
+            <a:off x="5457973" y="125109"/>
+            <a:ext cx="2843613" cy="1823834"/>
+          </a:xfrm>
+          <a:prstGeom prst="rect">
+            <a:avLst/>
+          </a:prstGeom>
+        </p:spPr>
+      </p:pic>
+    </p:spTree>
+    <p:extLst>
+      <p:ext uri="{BB962C8B-B14F-4D97-AF65-F5344CB8AC3E}">
+        <p14:creationId xmlns:p14="http://schemas.microsoft.com/office/powerpoint/2010/main" val="1571163922"/>
       </p:ext>
     </p:extLst>
   </p:cSld>

--- a/DsDotNet/src/UnitTest/UnitTest.Model/ImportOfficeExample/Sample/Lib/Cylinder/Double.pptx
+++ b/DsDotNet/src/UnitTest/UnitTest.Model/ImportOfficeExample/Sample/Lib/Cylinder/Double.pptx
@@ -756,7 +756,7 @@
           <a:effectLst/>
           <a:extLst>
             <a:ext uri="{91240B29-F687-4f45-9708-019B960494DF}">
-              <a14:hiddenLine xmlns="" xmlns:a14="http://schemas.microsoft.com/office/drawing/2010/main" w="9525">
+              <a14:hiddenLine xmlns:a14="http://schemas.microsoft.com/office/drawing/2010/main" xmlns="" w="9525">
                 <a:solidFill>
                   <a:srgbClr val="000000"/>
                 </a:solidFill>
@@ -2278,7 +2278,7 @@
           <a:ln/>
           <a:extLst>
             <a:ext uri="{91240B29-F687-4f45-9708-019B960494DF}">
-              <a14:hiddenLine xmlns="" xmlns:a14="http://schemas.microsoft.com/office/drawing/2010/main" w="9525">
+              <a14:hiddenLine xmlns:a14="http://schemas.microsoft.com/office/drawing/2010/main" xmlns="" w="9525">
                 <a:solidFill>
                   <a:srgbClr val="000000"/>
                 </a:solidFill>
@@ -2553,7 +2553,7 @@
           <a:ln/>
           <a:extLst>
             <a:ext uri="{91240B29-F687-4f45-9708-019B960494DF}">
-              <a14:hiddenLine xmlns="" xmlns:a14="http://schemas.microsoft.com/office/drawing/2010/main" w="9525">
+              <a14:hiddenLine xmlns:a14="http://schemas.microsoft.com/office/drawing/2010/main" xmlns="" w="9525">
                 <a:solidFill>
                   <a:srgbClr val="000000"/>
                 </a:solidFill>
@@ -2954,7 +2954,7 @@
           <a:ln/>
           <a:extLst>
             <a:ext uri="{91240B29-F687-4f45-9708-019B960494DF}">
-              <a14:hiddenLine xmlns="" xmlns:a14="http://schemas.microsoft.com/office/drawing/2010/main" w="9525">
+              <a14:hiddenLine xmlns:a14="http://schemas.microsoft.com/office/drawing/2010/main" xmlns="" w="9525">
                 <a:solidFill>
                   <a:srgbClr val="000000"/>
                 </a:solidFill>
@@ -3580,7 +3580,7 @@
           <a:ln/>
           <a:extLst>
             <a:ext uri="{91240B29-F687-4f45-9708-019B960494DF}">
-              <a14:hiddenLine xmlns="" xmlns:a14="http://schemas.microsoft.com/office/drawing/2010/main" w="9525">
+              <a14:hiddenLine xmlns:a14="http://schemas.microsoft.com/office/drawing/2010/main" xmlns="" w="9525">
                 <a:solidFill>
                   <a:srgbClr val="000000"/>
                 </a:solidFill>
@@ -3919,7 +3919,7 @@
           <a:ln/>
           <a:extLst>
             <a:ext uri="{91240B29-F687-4f45-9708-019B960494DF}">
-              <a14:hiddenLine xmlns="" xmlns:a14="http://schemas.microsoft.com/office/drawing/2010/main" w="9525">
+              <a14:hiddenLine xmlns:a14="http://schemas.microsoft.com/office/drawing/2010/main" xmlns="" w="9525">
                 <a:solidFill>
                   <a:srgbClr val="000000"/>
                 </a:solidFill>
@@ -4604,7 +4604,7 @@
           <a:ln/>
           <a:extLst>
             <a:ext uri="{91240B29-F687-4f45-9708-019B960494DF}">
-              <a14:hiddenLine xmlns="" xmlns:a14="http://schemas.microsoft.com/office/drawing/2010/main" w="9525">
+              <a14:hiddenLine xmlns:a14="http://schemas.microsoft.com/office/drawing/2010/main" xmlns="" w="9525">
                 <a:solidFill>
                   <a:srgbClr val="000000"/>
                 </a:solidFill>
@@ -7194,13 +7194,6 @@
             <a:pPr algn="ctr"/>
             <a:r>
               <a:rPr lang="en-US" altLang="ko-KR" sz="1200" dirty="0"/>
-              <a:t>Valve</a:t>
-            </a:r>
-          </a:p>
-          <a:p>
-            <a:pPr algn="ctr"/>
-            <a:r>
-              <a:rPr lang="en-US" altLang="ko-KR" sz="1200" dirty="0"/>
               <a:t>ADV</a:t>
             </a:r>
             <a:endParaRPr lang="ko-KR" altLang="en-US" sz="1200" dirty="0"/>
@@ -7257,13 +7250,6 @@
             <a:pPr algn="ctr"/>
             <a:r>
               <a:rPr lang="en-US" altLang="ko-KR" sz="1200" dirty="0"/>
-              <a:t>Valve</a:t>
-            </a:r>
-          </a:p>
-          <a:p>
-            <a:pPr algn="ctr"/>
-            <a:r>
-              <a:rPr lang="en-US" altLang="ko-KR" sz="1200" dirty="0"/>
               <a:t>RET</a:t>
             </a:r>
             <a:endParaRPr lang="ko-KR" altLang="en-US" sz="1200" dirty="0"/>
@@ -7339,7 +7325,7 @@
             </a:r>
             <a:r>
               <a:rPr lang="en-US" altLang="ko-KR" sz="1400" dirty="0"/>
-              <a:t>ValveADV </a:t>
+              <a:t>ADV </a:t>
             </a:r>
             <a:r>
               <a:rPr lang="en-US" altLang="ko-KR" sz="1400" dirty="0">
@@ -7349,7 +7335,7 @@
             </a:r>
             <a:r>
               <a:rPr lang="en-US" altLang="ko-KR" sz="1400" dirty="0"/>
-              <a:t>ValveADV</a:t>
+              <a:t>ADV</a:t>
             </a:r>
             <a:r>
               <a:rPr lang="en-US" altLang="ko-KR" sz="1400" dirty="0">
@@ -7432,7 +7418,7 @@
             </a:r>
             <a:r>
               <a:rPr lang="en-US" altLang="ko-KR" sz="1400" dirty="0"/>
-              <a:t>ValveRET </a:t>
+              <a:t>RET </a:t>
             </a:r>
             <a:r>
               <a:rPr lang="en-US" altLang="ko-KR" sz="1400" dirty="0">
@@ -7442,7 +7428,7 @@
             </a:r>
             <a:r>
               <a:rPr lang="en-US" altLang="ko-KR" sz="1400" dirty="0"/>
-              <a:t>ValveRET</a:t>
+              <a:t>RET</a:t>
             </a:r>
             <a:r>
               <a:rPr lang="en-US" altLang="ko-KR" sz="1400" dirty="0">

--- a/DsDotNet/src/UnitTest/UnitTest.Model/ImportOfficeExample/Sample/Lib/Cylinder/Double.pptx
+++ b/DsDotNet/src/UnitTest/UnitTest.Model/ImportOfficeExample/Sample/Lib/Cylinder/Double.pptx
@@ -217,7 +217,7 @@
           <a:p>
             <a:fld id="{DD503887-5801-43A0-AEF9-041E8DDC2558}" type="datetimeFigureOut">
               <a:rPr lang="ko-KR" altLang="en-US" smtClean="0"/>
-              <a:t>2023-09-25</a:t>
+              <a:t>2023-10-04</a:t>
             </a:fld>
             <a:endParaRPr lang="ko-KR" altLang="en-US"/>
           </a:p>
@@ -394,7 +394,7 @@
           <a:p>
             <a:fld id="{95336A0E-57B1-4D4C-BD9B-2F72B5943464}" type="datetimeFigureOut">
               <a:rPr lang="ko-KR" altLang="en-US" smtClean="0"/>
-              <a:t>2023-09-25</a:t>
+              <a:t>2023-10-04</a:t>
             </a:fld>
             <a:endParaRPr lang="ko-KR" altLang="en-US"/>
           </a:p>
@@ -756,7 +756,7 @@
           <a:effectLst/>
           <a:extLst>
             <a:ext uri="{91240B29-F687-4f45-9708-019B960494DF}">
-              <a14:hiddenLine xmlns:a14="http://schemas.microsoft.com/office/drawing/2010/main" xmlns="" w="9525">
+              <a14:hiddenLine xmlns="" xmlns:a14="http://schemas.microsoft.com/office/drawing/2010/main" w="9525">
                 <a:solidFill>
                   <a:srgbClr val="000000"/>
                 </a:solidFill>
@@ -948,7 +948,7 @@
           <a:p>
             <a:fld id="{DEA6EBF0-8E22-42A7-9BEA-2AC7066E6498}" type="datetimeFigureOut">
               <a:rPr lang="ko-KR" altLang="en-US" smtClean="0"/>
-              <a:t>2023-09-25</a:t>
+              <a:t>2023-10-04</a:t>
             </a:fld>
             <a:endParaRPr lang="ko-KR" altLang="en-US"/>
           </a:p>
@@ -1266,7 +1266,7 @@
           <a:p>
             <a:fld id="{DEA6EBF0-8E22-42A7-9BEA-2AC7066E6498}" type="datetimeFigureOut">
               <a:rPr lang="ko-KR" altLang="en-US" smtClean="0"/>
-              <a:t>2023-09-25</a:t>
+              <a:t>2023-10-04</a:t>
             </a:fld>
             <a:endParaRPr lang="ko-KR" altLang="en-US"/>
           </a:p>
@@ -1754,7 +1754,7 @@
           <a:p>
             <a:fld id="{DEA6EBF0-8E22-42A7-9BEA-2AC7066E6498}" type="datetimeFigureOut">
               <a:rPr lang="ko-KR" altLang="en-US" smtClean="0"/>
-              <a:t>2023-09-25</a:t>
+              <a:t>2023-10-04</a:t>
             </a:fld>
             <a:endParaRPr lang="ko-KR" altLang="en-US"/>
           </a:p>
@@ -2123,7 +2123,7 @@
           <a:p>
             <a:fld id="{DEA6EBF0-8E22-42A7-9BEA-2AC7066E6498}" type="datetimeFigureOut">
               <a:rPr lang="ko-KR" altLang="en-US" smtClean="0"/>
-              <a:t>2023-09-25</a:t>
+              <a:t>2023-10-04</a:t>
             </a:fld>
             <a:endParaRPr lang="ko-KR" altLang="en-US"/>
           </a:p>
@@ -2278,7 +2278,7 @@
           <a:ln/>
           <a:extLst>
             <a:ext uri="{91240B29-F687-4f45-9708-019B960494DF}">
-              <a14:hiddenLine xmlns:a14="http://schemas.microsoft.com/office/drawing/2010/main" xmlns="" w="9525">
+              <a14:hiddenLine xmlns="" xmlns:a14="http://schemas.microsoft.com/office/drawing/2010/main" w="9525">
                 <a:solidFill>
                   <a:srgbClr val="000000"/>
                 </a:solidFill>
@@ -2396,7 +2396,7 @@
           <a:p>
             <a:fld id="{DEA6EBF0-8E22-42A7-9BEA-2AC7066E6498}" type="datetimeFigureOut">
               <a:rPr lang="ko-KR" altLang="en-US" smtClean="0"/>
-              <a:t>2023-09-25</a:t>
+              <a:t>2023-10-04</a:t>
             </a:fld>
             <a:endParaRPr lang="ko-KR" altLang="en-US"/>
           </a:p>
@@ -2553,7 +2553,7 @@
           <a:ln/>
           <a:extLst>
             <a:ext uri="{91240B29-F687-4f45-9708-019B960494DF}">
-              <a14:hiddenLine xmlns:a14="http://schemas.microsoft.com/office/drawing/2010/main" xmlns="" w="9525">
+              <a14:hiddenLine xmlns="" xmlns:a14="http://schemas.microsoft.com/office/drawing/2010/main" w="9525">
                 <a:solidFill>
                   <a:srgbClr val="000000"/>
                 </a:solidFill>
@@ -2681,7 +2681,7 @@
           <a:p>
             <a:fld id="{DEA6EBF0-8E22-42A7-9BEA-2AC7066E6498}" type="datetimeFigureOut">
               <a:rPr lang="ko-KR" altLang="en-US" smtClean="0"/>
-              <a:t>2023-09-25</a:t>
+              <a:t>2023-10-04</a:t>
             </a:fld>
             <a:endParaRPr lang="ko-KR" altLang="en-US"/>
           </a:p>
@@ -2799,7 +2799,7 @@
           <a:p>
             <a:fld id="{DEA6EBF0-8E22-42A7-9BEA-2AC7066E6498}" type="datetimeFigureOut">
               <a:rPr lang="ko-KR" altLang="en-US" smtClean="0"/>
-              <a:t>2023-09-25</a:t>
+              <a:t>2023-10-04</a:t>
             </a:fld>
             <a:endParaRPr lang="ko-KR" altLang="en-US"/>
           </a:p>
@@ -2954,7 +2954,7 @@
           <a:ln/>
           <a:extLst>
             <a:ext uri="{91240B29-F687-4f45-9708-019B960494DF}">
-              <a14:hiddenLine xmlns:a14="http://schemas.microsoft.com/office/drawing/2010/main" xmlns="" w="9525">
+              <a14:hiddenLine xmlns="" xmlns:a14="http://schemas.microsoft.com/office/drawing/2010/main" w="9525">
                 <a:solidFill>
                   <a:srgbClr val="000000"/>
                 </a:solidFill>
@@ -3082,7 +3082,7 @@
           <a:p>
             <a:fld id="{DEA6EBF0-8E22-42A7-9BEA-2AC7066E6498}" type="datetimeFigureOut">
               <a:rPr lang="ko-KR" altLang="en-US" smtClean="0"/>
-              <a:t>2023-09-25</a:t>
+              <a:t>2023-10-04</a:t>
             </a:fld>
             <a:endParaRPr lang="ko-KR" altLang="en-US"/>
           </a:p>
@@ -3425,7 +3425,7 @@
           <a:p>
             <a:fld id="{DEA6EBF0-8E22-42A7-9BEA-2AC7066E6498}" type="datetimeFigureOut">
               <a:rPr lang="ko-KR" altLang="en-US" smtClean="0"/>
-              <a:t>2023-09-25</a:t>
+              <a:t>2023-10-04</a:t>
             </a:fld>
             <a:endParaRPr lang="ko-KR" altLang="en-US"/>
           </a:p>
@@ -3580,7 +3580,7 @@
           <a:ln/>
           <a:extLst>
             <a:ext uri="{91240B29-F687-4f45-9708-019B960494DF}">
-              <a14:hiddenLine xmlns:a14="http://schemas.microsoft.com/office/drawing/2010/main" xmlns="" w="9525">
+              <a14:hiddenLine xmlns="" xmlns:a14="http://schemas.microsoft.com/office/drawing/2010/main" w="9525">
                 <a:solidFill>
                   <a:srgbClr val="000000"/>
                 </a:solidFill>
@@ -3764,7 +3764,7 @@
           <a:p>
             <a:fld id="{DEA6EBF0-8E22-42A7-9BEA-2AC7066E6498}" type="datetimeFigureOut">
               <a:rPr lang="ko-KR" altLang="en-US" smtClean="0"/>
-              <a:t>2023-09-25</a:t>
+              <a:t>2023-10-04</a:t>
             </a:fld>
             <a:endParaRPr lang="ko-KR" altLang="en-US"/>
           </a:p>
@@ -3919,7 +3919,7 @@
           <a:ln/>
           <a:extLst>
             <a:ext uri="{91240B29-F687-4f45-9708-019B960494DF}">
-              <a14:hiddenLine xmlns:a14="http://schemas.microsoft.com/office/drawing/2010/main" xmlns="" w="9525">
+              <a14:hiddenLine xmlns="" xmlns:a14="http://schemas.microsoft.com/office/drawing/2010/main" w="9525">
                 <a:solidFill>
                   <a:srgbClr val="000000"/>
                 </a:solidFill>
@@ -4241,7 +4241,7 @@
           <a:p>
             <a:fld id="{DEA6EBF0-8E22-42A7-9BEA-2AC7066E6498}" type="datetimeFigureOut">
               <a:rPr lang="ko-KR" altLang="en-US" smtClean="0"/>
-              <a:t>2023-09-25</a:t>
+              <a:t>2023-10-04</a:t>
             </a:fld>
             <a:endParaRPr lang="ko-KR" altLang="en-US"/>
           </a:p>
@@ -4336,7 +4336,7 @@
           <a:p>
             <a:fld id="{DEA6EBF0-8E22-42A7-9BEA-2AC7066E6498}" type="datetimeFigureOut">
               <a:rPr lang="ko-KR" altLang="en-US" smtClean="0"/>
-              <a:t>2023-09-25</a:t>
+              <a:t>2023-10-04</a:t>
             </a:fld>
             <a:endParaRPr lang="ko-KR" altLang="en-US"/>
           </a:p>
@@ -4604,7 +4604,7 @@
           <a:ln/>
           <a:extLst>
             <a:ext uri="{91240B29-F687-4f45-9708-019B960494DF}">
-              <a14:hiddenLine xmlns:a14="http://schemas.microsoft.com/office/drawing/2010/main" xmlns="" w="9525">
+              <a14:hiddenLine xmlns="" xmlns:a14="http://schemas.microsoft.com/office/drawing/2010/main" w="9525">
                 <a:solidFill>
                   <a:srgbClr val="000000"/>
                 </a:solidFill>
@@ -4803,7 +4803,7 @@
           <a:p>
             <a:fld id="{DEA6EBF0-8E22-42A7-9BEA-2AC7066E6498}" type="datetimeFigureOut">
               <a:rPr lang="ko-KR" altLang="en-US" smtClean="0"/>
-              <a:t>2023-09-25</a:t>
+              <a:t>2023-10-04</a:t>
             </a:fld>
             <a:endParaRPr lang="ko-KR" altLang="en-US"/>
           </a:p>
@@ -5116,7 +5116,7 @@
           <a:p>
             <a:fld id="{DEA6EBF0-8E22-42A7-9BEA-2AC7066E6498}" type="datetimeFigureOut">
               <a:rPr lang="ko-KR" altLang="en-US" smtClean="0"/>
-              <a:t>2023-09-25</a:t>
+              <a:t>2023-10-04</a:t>
             </a:fld>
             <a:endParaRPr lang="ko-KR" altLang="en-US"/>
           </a:p>
@@ -5386,7 +5386,7 @@
           <a:p>
             <a:fld id="{DEA6EBF0-8E22-42A7-9BEA-2AC7066E6498}" type="datetimeFigureOut">
               <a:rPr lang="ko-KR" altLang="en-US" smtClean="0"/>
-              <a:t>2023-09-25</a:t>
+              <a:t>2023-10-04</a:t>
             </a:fld>
             <a:endParaRPr lang="ko-KR" altLang="en-US"/>
           </a:p>
@@ -5819,7 +5819,7 @@
 </file>
 
 <file path=ppt/slides/slide1.xml><?xml version="1.0" encoding="utf-8"?>
-<p:sld xmlns:a="http://schemas.openxmlformats.org/drawingml/2006/main" xmlns:r="http://schemas.openxmlformats.org/officeDocument/2006/relationships" xmlns:p="http://schemas.openxmlformats.org/presentationml/2006/main" show="0">
+<p:sld xmlns:a="http://schemas.openxmlformats.org/drawingml/2006/main" xmlns:r="http://schemas.openxmlformats.org/officeDocument/2006/relationships" xmlns:p="http://schemas.openxmlformats.org/presentationml/2006/main">
   <p:cSld>
     <p:spTree>
       <p:nvGrpSpPr>
@@ -5858,7 +5858,7 @@
           <a:p>
             <a:r>
               <a:rPr lang="en-US" altLang="ko-KR" dirty="0"/>
-              <a:t>Cylinder</a:t>
+              <a:t>Double</a:t>
             </a:r>
             <a:endParaRPr lang="ko-KR" altLang="en-US" dirty="0"/>
           </a:p>

--- a/DsDotNet/src/UnitTest/UnitTest.Model/ImportOfficeExample/Sample/Lib/Cylinder/Double.pptx
+++ b/DsDotNet/src/UnitTest/UnitTest.Model/ImportOfficeExample/Sample/Lib/Cylinder/Double.pptx
@@ -217,7 +217,7 @@
           <a:p>
             <a:fld id="{DD503887-5801-43A0-AEF9-041E8DDC2558}" type="datetimeFigureOut">
               <a:rPr lang="ko-KR" altLang="en-US" smtClean="0"/>
-              <a:t>2023-10-04</a:t>
+              <a:t>2023-11-12</a:t>
             </a:fld>
             <a:endParaRPr lang="ko-KR" altLang="en-US"/>
           </a:p>
@@ -394,7 +394,7 @@
           <a:p>
             <a:fld id="{95336A0E-57B1-4D4C-BD9B-2F72B5943464}" type="datetimeFigureOut">
               <a:rPr lang="ko-KR" altLang="en-US" smtClean="0"/>
-              <a:t>2023-10-04</a:t>
+              <a:t>2023-11-12</a:t>
             </a:fld>
             <a:endParaRPr lang="ko-KR" altLang="en-US"/>
           </a:p>
@@ -948,7 +948,7 @@
           <a:p>
             <a:fld id="{DEA6EBF0-8E22-42A7-9BEA-2AC7066E6498}" type="datetimeFigureOut">
               <a:rPr lang="ko-KR" altLang="en-US" smtClean="0"/>
-              <a:t>2023-10-04</a:t>
+              <a:t>2023-11-12</a:t>
             </a:fld>
             <a:endParaRPr lang="ko-KR" altLang="en-US"/>
           </a:p>
@@ -1266,7 +1266,7 @@
           <a:p>
             <a:fld id="{DEA6EBF0-8E22-42A7-9BEA-2AC7066E6498}" type="datetimeFigureOut">
               <a:rPr lang="ko-KR" altLang="en-US" smtClean="0"/>
-              <a:t>2023-10-04</a:t>
+              <a:t>2023-11-12</a:t>
             </a:fld>
             <a:endParaRPr lang="ko-KR" altLang="en-US"/>
           </a:p>
@@ -1754,7 +1754,7 @@
           <a:p>
             <a:fld id="{DEA6EBF0-8E22-42A7-9BEA-2AC7066E6498}" type="datetimeFigureOut">
               <a:rPr lang="ko-KR" altLang="en-US" smtClean="0"/>
-              <a:t>2023-10-04</a:t>
+              <a:t>2023-11-12</a:t>
             </a:fld>
             <a:endParaRPr lang="ko-KR" altLang="en-US"/>
           </a:p>
@@ -2123,7 +2123,7 @@
           <a:p>
             <a:fld id="{DEA6EBF0-8E22-42A7-9BEA-2AC7066E6498}" type="datetimeFigureOut">
               <a:rPr lang="ko-KR" altLang="en-US" smtClean="0"/>
-              <a:t>2023-10-04</a:t>
+              <a:t>2023-11-12</a:t>
             </a:fld>
             <a:endParaRPr lang="ko-KR" altLang="en-US"/>
           </a:p>
@@ -2396,7 +2396,7 @@
           <a:p>
             <a:fld id="{DEA6EBF0-8E22-42A7-9BEA-2AC7066E6498}" type="datetimeFigureOut">
               <a:rPr lang="ko-KR" altLang="en-US" smtClean="0"/>
-              <a:t>2023-10-04</a:t>
+              <a:t>2023-11-12</a:t>
             </a:fld>
             <a:endParaRPr lang="ko-KR" altLang="en-US"/>
           </a:p>
@@ -2681,7 +2681,7 @@
           <a:p>
             <a:fld id="{DEA6EBF0-8E22-42A7-9BEA-2AC7066E6498}" type="datetimeFigureOut">
               <a:rPr lang="ko-KR" altLang="en-US" smtClean="0"/>
-              <a:t>2023-10-04</a:t>
+              <a:t>2023-11-12</a:t>
             </a:fld>
             <a:endParaRPr lang="ko-KR" altLang="en-US"/>
           </a:p>
@@ -2799,7 +2799,7 @@
           <a:p>
             <a:fld id="{DEA6EBF0-8E22-42A7-9BEA-2AC7066E6498}" type="datetimeFigureOut">
               <a:rPr lang="ko-KR" altLang="en-US" smtClean="0"/>
-              <a:t>2023-10-04</a:t>
+              <a:t>2023-11-12</a:t>
             </a:fld>
             <a:endParaRPr lang="ko-KR" altLang="en-US"/>
           </a:p>
@@ -3082,7 +3082,7 @@
           <a:p>
             <a:fld id="{DEA6EBF0-8E22-42A7-9BEA-2AC7066E6498}" type="datetimeFigureOut">
               <a:rPr lang="ko-KR" altLang="en-US" smtClean="0"/>
-              <a:t>2023-10-04</a:t>
+              <a:t>2023-11-12</a:t>
             </a:fld>
             <a:endParaRPr lang="ko-KR" altLang="en-US"/>
           </a:p>
@@ -3425,7 +3425,7 @@
           <a:p>
             <a:fld id="{DEA6EBF0-8E22-42A7-9BEA-2AC7066E6498}" type="datetimeFigureOut">
               <a:rPr lang="ko-KR" altLang="en-US" smtClean="0"/>
-              <a:t>2023-10-04</a:t>
+              <a:t>2023-11-12</a:t>
             </a:fld>
             <a:endParaRPr lang="ko-KR" altLang="en-US"/>
           </a:p>
@@ -3764,7 +3764,7 @@
           <a:p>
             <a:fld id="{DEA6EBF0-8E22-42A7-9BEA-2AC7066E6498}" type="datetimeFigureOut">
               <a:rPr lang="ko-KR" altLang="en-US" smtClean="0"/>
-              <a:t>2023-10-04</a:t>
+              <a:t>2023-11-12</a:t>
             </a:fld>
             <a:endParaRPr lang="ko-KR" altLang="en-US"/>
           </a:p>
@@ -4241,7 +4241,7 @@
           <a:p>
             <a:fld id="{DEA6EBF0-8E22-42A7-9BEA-2AC7066E6498}" type="datetimeFigureOut">
               <a:rPr lang="ko-KR" altLang="en-US" smtClean="0"/>
-              <a:t>2023-10-04</a:t>
+              <a:t>2023-11-12</a:t>
             </a:fld>
             <a:endParaRPr lang="ko-KR" altLang="en-US"/>
           </a:p>
@@ -4336,7 +4336,7 @@
           <a:p>
             <a:fld id="{DEA6EBF0-8E22-42A7-9BEA-2AC7066E6498}" type="datetimeFigureOut">
               <a:rPr lang="ko-KR" altLang="en-US" smtClean="0"/>
-              <a:t>2023-10-04</a:t>
+              <a:t>2023-11-12</a:t>
             </a:fld>
             <a:endParaRPr lang="ko-KR" altLang="en-US"/>
           </a:p>
@@ -4803,7 +4803,7 @@
           <a:p>
             <a:fld id="{DEA6EBF0-8E22-42A7-9BEA-2AC7066E6498}" type="datetimeFigureOut">
               <a:rPr lang="ko-KR" altLang="en-US" smtClean="0"/>
-              <a:t>2023-10-04</a:t>
+              <a:t>2023-11-12</a:t>
             </a:fld>
             <a:endParaRPr lang="ko-KR" altLang="en-US"/>
           </a:p>
@@ -5116,7 +5116,7 @@
           <a:p>
             <a:fld id="{DEA6EBF0-8E22-42A7-9BEA-2AC7066E6498}" type="datetimeFigureOut">
               <a:rPr lang="ko-KR" altLang="en-US" smtClean="0"/>
-              <a:t>2023-10-04</a:t>
+              <a:t>2023-11-12</a:t>
             </a:fld>
             <a:endParaRPr lang="ko-KR" altLang="en-US"/>
           </a:p>
@@ -5386,7 +5386,7 @@
           <a:p>
             <a:fld id="{DEA6EBF0-8E22-42A7-9BEA-2AC7066E6498}" type="datetimeFigureOut">
               <a:rPr lang="ko-KR" altLang="en-US" smtClean="0"/>
-              <a:t>2023-10-04</a:t>
+              <a:t>2023-11-12</a:t>
             </a:fld>
             <a:endParaRPr lang="ko-KR" altLang="en-US"/>
           </a:p>
@@ -5857,8 +5857,8 @@
           <a:lstStyle/>
           <a:p>
             <a:r>
-              <a:rPr lang="en-US" altLang="ko-KR" dirty="0"/>
-              <a:t>Double</a:t>
+              <a:rPr lang="en-US" altLang="ko-KR"/>
+              <a:t>double</a:t>
             </a:r>
             <a:endParaRPr lang="ko-KR" altLang="en-US" dirty="0"/>
           </a:p>

--- a/DsDotNet/src/UnitTest/UnitTest.Model/ImportOfficeExample/Sample/Lib/Cylinder/Double.pptx
+++ b/DsDotNet/src/UnitTest/UnitTest.Model/ImportOfficeExample/Sample/Lib/Cylinder/Double.pptx
@@ -217,7 +217,7 @@
           <a:p>
             <a:fld id="{DD503887-5801-43A0-AEF9-041E8DDC2558}" type="datetimeFigureOut">
               <a:rPr lang="ko-KR" altLang="en-US" smtClean="0"/>
-              <a:t>2023-11-12</a:t>
+              <a:t>2024-02-07</a:t>
             </a:fld>
             <a:endParaRPr lang="ko-KR" altLang="en-US"/>
           </a:p>
@@ -394,7 +394,7 @@
           <a:p>
             <a:fld id="{95336A0E-57B1-4D4C-BD9B-2F72B5943464}" type="datetimeFigureOut">
               <a:rPr lang="ko-KR" altLang="en-US" smtClean="0"/>
-              <a:t>2023-11-12</a:t>
+              <a:t>2024-02-07</a:t>
             </a:fld>
             <a:endParaRPr lang="ko-KR" altLang="en-US"/>
           </a:p>
@@ -948,7 +948,7 @@
           <a:p>
             <a:fld id="{DEA6EBF0-8E22-42A7-9BEA-2AC7066E6498}" type="datetimeFigureOut">
               <a:rPr lang="ko-KR" altLang="en-US" smtClean="0"/>
-              <a:t>2023-11-12</a:t>
+              <a:t>2024-02-07</a:t>
             </a:fld>
             <a:endParaRPr lang="ko-KR" altLang="en-US"/>
           </a:p>
@@ -1266,7 +1266,7 @@
           <a:p>
             <a:fld id="{DEA6EBF0-8E22-42A7-9BEA-2AC7066E6498}" type="datetimeFigureOut">
               <a:rPr lang="ko-KR" altLang="en-US" smtClean="0"/>
-              <a:t>2023-11-12</a:t>
+              <a:t>2024-02-07</a:t>
             </a:fld>
             <a:endParaRPr lang="ko-KR" altLang="en-US"/>
           </a:p>
@@ -1754,7 +1754,7 @@
           <a:p>
             <a:fld id="{DEA6EBF0-8E22-42A7-9BEA-2AC7066E6498}" type="datetimeFigureOut">
               <a:rPr lang="ko-KR" altLang="en-US" smtClean="0"/>
-              <a:t>2023-11-12</a:t>
+              <a:t>2024-02-07</a:t>
             </a:fld>
             <a:endParaRPr lang="ko-KR" altLang="en-US"/>
           </a:p>
@@ -2123,7 +2123,7 @@
           <a:p>
             <a:fld id="{DEA6EBF0-8E22-42A7-9BEA-2AC7066E6498}" type="datetimeFigureOut">
               <a:rPr lang="ko-KR" altLang="en-US" smtClean="0"/>
-              <a:t>2023-11-12</a:t>
+              <a:t>2024-02-07</a:t>
             </a:fld>
             <a:endParaRPr lang="ko-KR" altLang="en-US"/>
           </a:p>
@@ -2396,7 +2396,7 @@
           <a:p>
             <a:fld id="{DEA6EBF0-8E22-42A7-9BEA-2AC7066E6498}" type="datetimeFigureOut">
               <a:rPr lang="ko-KR" altLang="en-US" smtClean="0"/>
-              <a:t>2023-11-12</a:t>
+              <a:t>2024-02-07</a:t>
             </a:fld>
             <a:endParaRPr lang="ko-KR" altLang="en-US"/>
           </a:p>
@@ -2681,7 +2681,7 @@
           <a:p>
             <a:fld id="{DEA6EBF0-8E22-42A7-9BEA-2AC7066E6498}" type="datetimeFigureOut">
               <a:rPr lang="ko-KR" altLang="en-US" smtClean="0"/>
-              <a:t>2023-11-12</a:t>
+              <a:t>2024-02-07</a:t>
             </a:fld>
             <a:endParaRPr lang="ko-KR" altLang="en-US"/>
           </a:p>
@@ -2799,7 +2799,7 @@
           <a:p>
             <a:fld id="{DEA6EBF0-8E22-42A7-9BEA-2AC7066E6498}" type="datetimeFigureOut">
               <a:rPr lang="ko-KR" altLang="en-US" smtClean="0"/>
-              <a:t>2023-11-12</a:t>
+              <a:t>2024-02-07</a:t>
             </a:fld>
             <a:endParaRPr lang="ko-KR" altLang="en-US"/>
           </a:p>
@@ -3082,7 +3082,7 @@
           <a:p>
             <a:fld id="{DEA6EBF0-8E22-42A7-9BEA-2AC7066E6498}" type="datetimeFigureOut">
               <a:rPr lang="ko-KR" altLang="en-US" smtClean="0"/>
-              <a:t>2023-11-12</a:t>
+              <a:t>2024-02-07</a:t>
             </a:fld>
             <a:endParaRPr lang="ko-KR" altLang="en-US"/>
           </a:p>
@@ -3425,7 +3425,7 @@
           <a:p>
             <a:fld id="{DEA6EBF0-8E22-42A7-9BEA-2AC7066E6498}" type="datetimeFigureOut">
               <a:rPr lang="ko-KR" altLang="en-US" smtClean="0"/>
-              <a:t>2023-11-12</a:t>
+              <a:t>2024-02-07</a:t>
             </a:fld>
             <a:endParaRPr lang="ko-KR" altLang="en-US"/>
           </a:p>
@@ -3764,7 +3764,7 @@
           <a:p>
             <a:fld id="{DEA6EBF0-8E22-42A7-9BEA-2AC7066E6498}" type="datetimeFigureOut">
               <a:rPr lang="ko-KR" altLang="en-US" smtClean="0"/>
-              <a:t>2023-11-12</a:t>
+              <a:t>2024-02-07</a:t>
             </a:fld>
             <a:endParaRPr lang="ko-KR" altLang="en-US"/>
           </a:p>
@@ -4241,7 +4241,7 @@
           <a:p>
             <a:fld id="{DEA6EBF0-8E22-42A7-9BEA-2AC7066E6498}" type="datetimeFigureOut">
               <a:rPr lang="ko-KR" altLang="en-US" smtClean="0"/>
-              <a:t>2023-11-12</a:t>
+              <a:t>2024-02-07</a:t>
             </a:fld>
             <a:endParaRPr lang="ko-KR" altLang="en-US"/>
           </a:p>
@@ -4336,7 +4336,7 @@
           <a:p>
             <a:fld id="{DEA6EBF0-8E22-42A7-9BEA-2AC7066E6498}" type="datetimeFigureOut">
               <a:rPr lang="ko-KR" altLang="en-US" smtClean="0"/>
-              <a:t>2023-11-12</a:t>
+              <a:t>2024-02-07</a:t>
             </a:fld>
             <a:endParaRPr lang="ko-KR" altLang="en-US"/>
           </a:p>
@@ -4803,7 +4803,7 @@
           <a:p>
             <a:fld id="{DEA6EBF0-8E22-42A7-9BEA-2AC7066E6498}" type="datetimeFigureOut">
               <a:rPr lang="ko-KR" altLang="en-US" smtClean="0"/>
-              <a:t>2023-11-12</a:t>
+              <a:t>2024-02-07</a:t>
             </a:fld>
             <a:endParaRPr lang="ko-KR" altLang="en-US"/>
           </a:p>
@@ -5116,7 +5116,7 @@
           <a:p>
             <a:fld id="{DEA6EBF0-8E22-42A7-9BEA-2AC7066E6498}" type="datetimeFigureOut">
               <a:rPr lang="ko-KR" altLang="en-US" smtClean="0"/>
-              <a:t>2023-11-12</a:t>
+              <a:t>2024-02-07</a:t>
             </a:fld>
             <a:endParaRPr lang="ko-KR" altLang="en-US"/>
           </a:p>
@@ -5386,7 +5386,7 @@
           <a:p>
             <a:fld id="{DEA6EBF0-8E22-42A7-9BEA-2AC7066E6498}" type="datetimeFigureOut">
               <a:rPr lang="ko-KR" altLang="en-US" smtClean="0"/>
-              <a:t>2023-11-12</a:t>
+              <a:t>2024-02-07</a:t>
             </a:fld>
             <a:endParaRPr lang="ko-KR" altLang="en-US"/>
           </a:p>
@@ -7214,7 +7214,7 @@
         </p:nvSpPr>
         <p:spPr>
           <a:xfrm>
-            <a:off x="2467930" y="5147741"/>
+            <a:off x="2479167" y="5118865"/>
             <a:ext cx="1103086" cy="1066431"/>
           </a:xfrm>
           <a:prstGeom prst="rect">
@@ -7249,10 +7249,10 @@
           <a:p>
             <a:pPr algn="ctr"/>
             <a:r>
-              <a:rPr lang="en-US" altLang="ko-KR" sz="1200" dirty="0"/>
+              <a:rPr lang="en-US" altLang="ko-KR" sz="1200" u="sng" dirty="0"/>
               <a:t>RET</a:t>
             </a:r>
-            <a:endParaRPr lang="ko-KR" altLang="en-US" sz="1200" dirty="0"/>
+            <a:endParaRPr lang="ko-KR" altLang="en-US" sz="1200" u="sng" dirty="0"/>
           </a:p>
         </p:txBody>
       </p:sp>
@@ -7510,8 +7510,8 @@
         </p:nvCxnSpPr>
         <p:spPr>
           <a:xfrm rot="16200000" flipV="1">
-            <a:off x="2204322" y="4332590"/>
-            <a:ext cx="1089996" cy="540306"/>
+            <a:off x="2224379" y="4312533"/>
+            <a:ext cx="1061120" cy="551543"/>
           </a:xfrm>
           <a:prstGeom prst="bentConnector3">
             <a:avLst>
